--- a/less-4-混合.pptx
+++ b/less-4-混合.pptx
@@ -122,7 +122,7 @@
   </p:defaultTextStyle>
   <p:extLst>
     <p:ext uri="{EFAFB233-063F-42B5-8137-9DF3F51BA10A}">
-      <p15:sldGuideLst xmlns:p15="http://schemas.microsoft.com/office/powerpoint/2012/main" xmlns="">
+      <p15:sldGuideLst xmlns="" xmlns:p15="http://schemas.microsoft.com/office/powerpoint/2012/main">
         <p15:guide id="1" orient="horz" pos="2160">
           <p15:clr>
             <a:srgbClr val="A4A3A4"/>
@@ -221,7 +221,7 @@
           <a:p>
             <a:fld id="{918C987C-5DAD-4601-B625-55A3208473B0}" type="datetimeFigureOut">
               <a:rPr lang="zh-CN" altLang="en-US" smtClean="0"/>
-              <a:t>2018/12/10</a:t>
+              <a:t>2018/12/18</a:t>
             </a:fld>
             <a:endParaRPr lang="zh-CN" altLang="en-US"/>
           </a:p>
@@ -754,7 +754,7 @@
           <a:p>
             <a:fld id="{17C7C8FB-1C37-4023-AA22-09D5A8E13DCF}" type="datetimeFigureOut">
               <a:rPr lang="zh-CN" altLang="en-US" smtClean="0"/>
-              <a:t>2018/12/10</a:t>
+              <a:t>2018/12/18</a:t>
             </a:fld>
             <a:endParaRPr lang="zh-CN" altLang="en-US"/>
           </a:p>
@@ -924,7 +924,7 @@
           <a:p>
             <a:fld id="{17C7C8FB-1C37-4023-AA22-09D5A8E13DCF}" type="datetimeFigureOut">
               <a:rPr lang="zh-CN" altLang="en-US" smtClean="0"/>
-              <a:t>2018/12/10</a:t>
+              <a:t>2018/12/18</a:t>
             </a:fld>
             <a:endParaRPr lang="zh-CN" altLang="en-US"/>
           </a:p>
@@ -1104,7 +1104,7 @@
           <a:p>
             <a:fld id="{17C7C8FB-1C37-4023-AA22-09D5A8E13DCF}" type="datetimeFigureOut">
               <a:rPr lang="zh-CN" altLang="en-US" smtClean="0"/>
-              <a:t>2018/12/10</a:t>
+              <a:t>2018/12/18</a:t>
             </a:fld>
             <a:endParaRPr lang="zh-CN" altLang="en-US"/>
           </a:p>
@@ -1274,7 +1274,7 @@
           <a:p>
             <a:fld id="{17C7C8FB-1C37-4023-AA22-09D5A8E13DCF}" type="datetimeFigureOut">
               <a:rPr lang="zh-CN" altLang="en-US" smtClean="0"/>
-              <a:t>2018/12/10</a:t>
+              <a:t>2018/12/18</a:t>
             </a:fld>
             <a:endParaRPr lang="zh-CN" altLang="en-US"/>
           </a:p>
@@ -1520,7 +1520,7 @@
           <a:p>
             <a:fld id="{17C7C8FB-1C37-4023-AA22-09D5A8E13DCF}" type="datetimeFigureOut">
               <a:rPr lang="zh-CN" altLang="en-US" smtClean="0"/>
-              <a:t>2018/12/10</a:t>
+              <a:t>2018/12/18</a:t>
             </a:fld>
             <a:endParaRPr lang="zh-CN" altLang="en-US"/>
           </a:p>
@@ -1808,7 +1808,7 @@
           <a:p>
             <a:fld id="{17C7C8FB-1C37-4023-AA22-09D5A8E13DCF}" type="datetimeFigureOut">
               <a:rPr lang="zh-CN" altLang="en-US" smtClean="0"/>
-              <a:t>2018/12/10</a:t>
+              <a:t>2018/12/18</a:t>
             </a:fld>
             <a:endParaRPr lang="zh-CN" altLang="en-US"/>
           </a:p>
@@ -2230,7 +2230,7 @@
           <a:p>
             <a:fld id="{17C7C8FB-1C37-4023-AA22-09D5A8E13DCF}" type="datetimeFigureOut">
               <a:rPr lang="zh-CN" altLang="en-US" smtClean="0"/>
-              <a:t>2018/12/10</a:t>
+              <a:t>2018/12/18</a:t>
             </a:fld>
             <a:endParaRPr lang="zh-CN" altLang="en-US"/>
           </a:p>
@@ -2348,7 +2348,7 @@
           <a:p>
             <a:fld id="{17C7C8FB-1C37-4023-AA22-09D5A8E13DCF}" type="datetimeFigureOut">
               <a:rPr lang="zh-CN" altLang="en-US" smtClean="0"/>
-              <a:t>2018/12/10</a:t>
+              <a:t>2018/12/18</a:t>
             </a:fld>
             <a:endParaRPr lang="zh-CN" altLang="en-US"/>
           </a:p>
@@ -2443,7 +2443,7 @@
           <a:p>
             <a:fld id="{17C7C8FB-1C37-4023-AA22-09D5A8E13DCF}" type="datetimeFigureOut">
               <a:rPr lang="zh-CN" altLang="en-US" smtClean="0"/>
-              <a:t>2018/12/10</a:t>
+              <a:t>2018/12/18</a:t>
             </a:fld>
             <a:endParaRPr lang="zh-CN" altLang="en-US"/>
           </a:p>
@@ -2720,7 +2720,7 @@
           <a:p>
             <a:fld id="{17C7C8FB-1C37-4023-AA22-09D5A8E13DCF}" type="datetimeFigureOut">
               <a:rPr lang="zh-CN" altLang="en-US" smtClean="0"/>
-              <a:t>2018/12/10</a:t>
+              <a:t>2018/12/18</a:t>
             </a:fld>
             <a:endParaRPr lang="zh-CN" altLang="en-US"/>
           </a:p>
@@ -2973,7 +2973,7 @@
           <a:p>
             <a:fld id="{17C7C8FB-1C37-4023-AA22-09D5A8E13DCF}" type="datetimeFigureOut">
               <a:rPr lang="zh-CN" altLang="en-US" smtClean="0"/>
-              <a:t>2018/12/10</a:t>
+              <a:t>2018/12/18</a:t>
             </a:fld>
             <a:endParaRPr lang="zh-CN" altLang="en-US"/>
           </a:p>
@@ -3186,7 +3186,7 @@
           <a:p>
             <a:fld id="{17C7C8FB-1C37-4023-AA22-09D5A8E13DCF}" type="datetimeFigureOut">
               <a:rPr lang="zh-CN" altLang="en-US" smtClean="0"/>
-              <a:t>2018/12/10</a:t>
+              <a:t>2018/12/18</a:t>
             </a:fld>
             <a:endParaRPr lang="zh-CN" altLang="en-US"/>
           </a:p>
@@ -3825,6 +3825,16 @@
           <a:prstGeom prst="rect">
             <a:avLst/>
           </a:prstGeom>
+          <a:ln>
+            <a:noFill/>
+          </a:ln>
+          <a:effectLst>
+            <a:outerShdw blurRad="292100" dist="139700" dir="2700000" algn="tl" rotWithShape="0">
+              <a:srgbClr val="333333">
+                <a:alpha val="65000"/>
+              </a:srgbClr>
+            </a:outerShdw>
+          </a:effectLst>
         </p:spPr>
       </p:pic>
       <p:sp>
@@ -3873,8 +3883,8 @@
         </p:nvSpPr>
         <p:spPr>
           <a:xfrm>
-            <a:off x="639868" y="5229200"/>
-            <a:ext cx="4004140" cy="720080"/>
+            <a:off x="783884" y="5229200"/>
+            <a:ext cx="2707996" cy="360040"/>
           </a:xfrm>
           <a:prstGeom prst="rect">
             <a:avLst/>
@@ -3965,13 +3975,13 @@
         </p:nvSpPr>
         <p:spPr>
           <a:xfrm>
-            <a:off x="3646160" y="476672"/>
+            <a:off x="2884944" y="134079"/>
             <a:ext cx="1501904" cy="432048"/>
           </a:xfrm>
           <a:prstGeom prst="wedgeRoundRectCallout">
             <a:avLst>
-              <a:gd name="adj1" fmla="val -55522"/>
-              <a:gd name="adj2" fmla="val 10403"/>
+              <a:gd name="adj1" fmla="val -30232"/>
+              <a:gd name="adj2" fmla="val 85292"/>
               <a:gd name="adj3" fmla="val 16667"/>
             </a:avLst>
           </a:prstGeom>
@@ -4017,13 +4027,13 @@
         </p:nvSpPr>
         <p:spPr>
           <a:xfrm>
-            <a:off x="4716016" y="5329383"/>
+            <a:off x="3395752" y="6062183"/>
             <a:ext cx="1248256" cy="432048"/>
           </a:xfrm>
           <a:prstGeom prst="wedgeRoundRectCallout">
             <a:avLst>
-              <a:gd name="adj1" fmla="val -67011"/>
-              <a:gd name="adj2" fmla="val 16915"/>
+              <a:gd name="adj1" fmla="val -21931"/>
+              <a:gd name="adj2" fmla="val -70998"/>
               <a:gd name="adj3" fmla="val 16667"/>
             </a:avLst>
           </a:prstGeom>
@@ -4113,6 +4123,276 @@
           </a:p>
         </p:txBody>
       </p:sp>
+      <p:sp>
+        <p:nvSpPr>
+          <p:cNvPr id="14" name="矩形 13"/>
+          <p:cNvSpPr/>
+          <p:nvPr/>
+        </p:nvSpPr>
+        <p:spPr>
+          <a:xfrm>
+            <a:off x="5481482" y="2852936"/>
+            <a:ext cx="2925707" cy="360040"/>
+          </a:xfrm>
+          <a:prstGeom prst="rect">
+            <a:avLst/>
+          </a:prstGeom>
+          <a:noFill/>
+          <a:ln w="38100">
+            <a:solidFill>
+              <a:srgbClr val="FFFF00"/>
+            </a:solidFill>
+          </a:ln>
+        </p:spPr>
+        <p:style>
+          <a:lnRef idx="2">
+            <a:schemeClr val="accent1">
+              <a:shade val="50000"/>
+            </a:schemeClr>
+          </a:lnRef>
+          <a:fillRef idx="1">
+            <a:schemeClr val="accent1"/>
+          </a:fillRef>
+          <a:effectRef idx="0">
+            <a:schemeClr val="accent1"/>
+          </a:effectRef>
+          <a:fontRef idx="minor">
+            <a:schemeClr val="lt1"/>
+          </a:fontRef>
+        </p:style>
+        <p:txBody>
+          <a:bodyPr rtlCol="0" anchor="ctr"/>
+          <a:lstStyle/>
+          <a:p>
+            <a:pPr algn="ctr"/>
+            <a:endParaRPr lang="zh-CN" altLang="en-US"/>
+          </a:p>
+        </p:txBody>
+      </p:sp>
+      <p:cxnSp>
+        <p:nvCxnSpPr>
+          <p:cNvPr id="15" name="曲线连接符 14"/>
+          <p:cNvCxnSpPr>
+            <a:stCxn id="16" idx="3"/>
+            <a:endCxn id="14" idx="2"/>
+          </p:cNvCxnSpPr>
+          <p:nvPr/>
+        </p:nvCxnSpPr>
+        <p:spPr>
+          <a:xfrm flipV="1">
+            <a:off x="4796408" y="3212976"/>
+            <a:ext cx="2147928" cy="2556284"/>
+          </a:xfrm>
+          <a:prstGeom prst="curvedConnector2">
+            <a:avLst/>
+          </a:prstGeom>
+          <a:ln w="38100">
+            <a:solidFill>
+              <a:srgbClr val="FF0000"/>
+            </a:solidFill>
+            <a:tailEnd type="arrow"/>
+          </a:ln>
+        </p:spPr>
+        <p:style>
+          <a:lnRef idx="1">
+            <a:schemeClr val="accent1"/>
+          </a:lnRef>
+          <a:fillRef idx="0">
+            <a:schemeClr val="accent1"/>
+          </a:fillRef>
+          <a:effectRef idx="0">
+            <a:schemeClr val="accent1"/>
+          </a:effectRef>
+          <a:fontRef idx="minor">
+            <a:schemeClr val="tx1"/>
+          </a:fontRef>
+        </p:style>
+      </p:cxnSp>
+      <p:sp>
+        <p:nvSpPr>
+          <p:cNvPr id="16" name="矩形 15"/>
+          <p:cNvSpPr/>
+          <p:nvPr/>
+        </p:nvSpPr>
+        <p:spPr>
+          <a:xfrm>
+            <a:off x="792268" y="5589240"/>
+            <a:ext cx="4004140" cy="360040"/>
+          </a:xfrm>
+          <a:prstGeom prst="rect">
+            <a:avLst/>
+          </a:prstGeom>
+          <a:noFill/>
+          <a:ln w="38100">
+            <a:solidFill>
+              <a:srgbClr val="FFFF00"/>
+            </a:solidFill>
+          </a:ln>
+        </p:spPr>
+        <p:style>
+          <a:lnRef idx="2">
+            <a:schemeClr val="accent1">
+              <a:shade val="50000"/>
+            </a:schemeClr>
+          </a:lnRef>
+          <a:fillRef idx="1">
+            <a:schemeClr val="accent1"/>
+          </a:fillRef>
+          <a:effectRef idx="0">
+            <a:schemeClr val="accent1"/>
+          </a:effectRef>
+          <a:fontRef idx="minor">
+            <a:schemeClr val="lt1"/>
+          </a:fontRef>
+        </p:style>
+        <p:txBody>
+          <a:bodyPr rtlCol="0" anchor="ctr"/>
+          <a:lstStyle/>
+          <a:p>
+            <a:pPr algn="ctr"/>
+            <a:endParaRPr lang="zh-CN" altLang="en-US"/>
+          </a:p>
+        </p:txBody>
+      </p:sp>
+      <p:sp>
+        <p:nvSpPr>
+          <p:cNvPr id="17" name="矩形 16"/>
+          <p:cNvSpPr/>
+          <p:nvPr/>
+        </p:nvSpPr>
+        <p:spPr>
+          <a:xfrm>
+            <a:off x="899592" y="764704"/>
+            <a:ext cx="2736304" cy="360040"/>
+          </a:xfrm>
+          <a:prstGeom prst="rect">
+            <a:avLst/>
+          </a:prstGeom>
+          <a:noFill/>
+          <a:ln w="38100">
+            <a:solidFill>
+              <a:srgbClr val="FFFF00"/>
+            </a:solidFill>
+          </a:ln>
+        </p:spPr>
+        <p:style>
+          <a:lnRef idx="2">
+            <a:schemeClr val="accent1">
+              <a:shade val="50000"/>
+            </a:schemeClr>
+          </a:lnRef>
+          <a:fillRef idx="1">
+            <a:schemeClr val="accent1"/>
+          </a:fillRef>
+          <a:effectRef idx="0">
+            <a:schemeClr val="accent1"/>
+          </a:effectRef>
+          <a:fontRef idx="minor">
+            <a:schemeClr val="lt1"/>
+          </a:fontRef>
+        </p:style>
+        <p:txBody>
+          <a:bodyPr rtlCol="0" anchor="ctr"/>
+          <a:lstStyle/>
+          <a:p>
+            <a:pPr algn="ctr"/>
+            <a:endParaRPr lang="zh-CN" altLang="en-US"/>
+          </a:p>
+        </p:txBody>
+      </p:sp>
+      <p:sp>
+        <p:nvSpPr>
+          <p:cNvPr id="23" name="圆角矩形标注 22"/>
+          <p:cNvSpPr/>
+          <p:nvPr/>
+        </p:nvSpPr>
+        <p:spPr>
+          <a:xfrm>
+            <a:off x="3347864" y="2239238"/>
+            <a:ext cx="1788404" cy="432048"/>
+          </a:xfrm>
+          <a:prstGeom prst="wedgeRoundRectCallout">
+            <a:avLst>
+              <a:gd name="adj1" fmla="val -30232"/>
+              <a:gd name="adj2" fmla="val 85292"/>
+              <a:gd name="adj3" fmla="val 16667"/>
+            </a:avLst>
+          </a:prstGeom>
+        </p:spPr>
+        <p:style>
+          <a:lnRef idx="2">
+            <a:schemeClr val="accent5"/>
+          </a:lnRef>
+          <a:fillRef idx="1">
+            <a:schemeClr val="lt1"/>
+          </a:fillRef>
+          <a:effectRef idx="0">
+            <a:schemeClr val="accent5"/>
+          </a:effectRef>
+          <a:fontRef idx="minor">
+            <a:schemeClr val="dk1"/>
+          </a:fontRef>
+        </p:style>
+        <p:txBody>
+          <a:bodyPr rtlCol="0" anchor="ctr"/>
+          <a:lstStyle/>
+          <a:p>
+            <a:pPr algn="ctr"/>
+            <a:r>
+              <a:rPr lang="zh-CN" altLang="en-US" dirty="0" smtClean="0">
+                <a:latin typeface="微软雅黑" pitchFamily="34" charset="-122"/>
+                <a:ea typeface="微软雅黑" pitchFamily="34" charset="-122"/>
+              </a:rPr>
+              <a:t>这里使用参数</a:t>
+            </a:r>
+            <a:endParaRPr lang="zh-CN" altLang="en-US" dirty="0">
+              <a:latin typeface="微软雅黑" pitchFamily="34" charset="-122"/>
+              <a:ea typeface="微软雅黑" pitchFamily="34" charset="-122"/>
+            </a:endParaRPr>
+          </a:p>
+        </p:txBody>
+      </p:sp>
+      <p:cxnSp>
+        <p:nvCxnSpPr>
+          <p:cNvPr id="18" name="曲线连接符 17"/>
+          <p:cNvCxnSpPr>
+            <a:stCxn id="17" idx="3"/>
+            <a:endCxn id="7" idx="3"/>
+          </p:cNvCxnSpPr>
+          <p:nvPr/>
+        </p:nvCxnSpPr>
+        <p:spPr>
+          <a:xfrm flipH="1">
+            <a:off x="3491880" y="944724"/>
+            <a:ext cx="144016" cy="4464496"/>
+          </a:xfrm>
+          <a:prstGeom prst="curvedConnector3">
+            <a:avLst>
+              <a:gd name="adj1" fmla="val -158732"/>
+            </a:avLst>
+          </a:prstGeom>
+          <a:ln w="38100">
+            <a:solidFill>
+              <a:srgbClr val="FF0000"/>
+            </a:solidFill>
+            <a:tailEnd type="arrow"/>
+          </a:ln>
+        </p:spPr>
+        <p:style>
+          <a:lnRef idx="1">
+            <a:schemeClr val="accent1"/>
+          </a:lnRef>
+          <a:fillRef idx="0">
+            <a:schemeClr val="accent1"/>
+          </a:fillRef>
+          <a:effectRef idx="0">
+            <a:schemeClr val="accent1"/>
+          </a:effectRef>
+          <a:fontRef idx="minor">
+            <a:schemeClr val="tx1"/>
+          </a:fontRef>
+        </p:style>
+      </p:cxnSp>
     </p:spTree>
     <p:extLst>
       <p:ext uri="{BB962C8B-B14F-4D97-AF65-F5344CB8AC3E}">
@@ -4172,7 +4452,7 @@
         </p:blipFill>
         <p:spPr>
           <a:xfrm>
-            <a:off x="323528" y="188640"/>
+            <a:off x="611560" y="188640"/>
             <a:ext cx="5616624" cy="6370591"/>
           </a:xfrm>
           <a:prstGeom prst="rect">
@@ -4212,19 +4492,23 @@
         </p:blipFill>
         <p:spPr>
           <a:xfrm>
-            <a:off x="6084168" y="1772816"/>
+            <a:off x="5580112" y="1849722"/>
             <a:ext cx="2876951" cy="3048425"/>
           </a:xfrm>
           <a:prstGeom prst="rect">
             <a:avLst/>
           </a:prstGeom>
-          <a:ln>
-            <a:noFill/>
+          <a:ln w="38100" cap="sq">
+            <a:solidFill>
+              <a:srgbClr val="000000"/>
+            </a:solidFill>
+            <a:prstDash val="solid"/>
+            <a:miter lim="800000"/>
           </a:ln>
           <a:effectLst>
-            <a:outerShdw blurRad="292100" dist="139700" dir="2700000" algn="tl" rotWithShape="0">
-              <a:srgbClr val="333333">
-                <a:alpha val="65000"/>
+            <a:outerShdw blurRad="50800" dist="38100" dir="2700000" algn="tl" rotWithShape="0">
+              <a:srgbClr val="000000">
+                <a:alpha val="43000"/>
               </a:srgbClr>
             </a:outerShdw>
           </a:effectLst>
@@ -4238,7 +4522,7 @@
         </p:nvSpPr>
         <p:spPr>
           <a:xfrm>
-            <a:off x="5537909" y="2972992"/>
+            <a:off x="5148064" y="2852936"/>
             <a:ext cx="576064" cy="648072"/>
           </a:xfrm>
           <a:prstGeom prst="rightArrow">
@@ -4276,8 +4560,8 @@
         </p:nvSpPr>
         <p:spPr>
           <a:xfrm>
-            <a:off x="422466" y="5915393"/>
-            <a:ext cx="5517686" cy="681959"/>
+            <a:off x="710498" y="5915393"/>
+            <a:ext cx="3573470" cy="340979"/>
           </a:xfrm>
           <a:prstGeom prst="rect">
             <a:avLst/>
@@ -4322,7 +4606,7 @@
         </p:nvSpPr>
         <p:spPr>
           <a:xfrm>
-            <a:off x="494474" y="476672"/>
+            <a:off x="782506" y="476672"/>
             <a:ext cx="1341222" cy="360040"/>
           </a:xfrm>
           <a:prstGeom prst="rect">
@@ -4368,7 +4652,7 @@
         </p:nvSpPr>
         <p:spPr>
           <a:xfrm>
-            <a:off x="422466" y="1988840"/>
+            <a:off x="710498" y="1988840"/>
             <a:ext cx="2349334" cy="360040"/>
           </a:xfrm>
           <a:prstGeom prst="rect">
@@ -4414,13 +4698,13 @@
         </p:nvSpPr>
         <p:spPr>
           <a:xfrm>
-            <a:off x="6026475" y="5824324"/>
-            <a:ext cx="1248256" cy="432048"/>
+            <a:off x="1811576" y="5301208"/>
+            <a:ext cx="2328376" cy="432048"/>
           </a:xfrm>
           <a:prstGeom prst="wedgeRoundRectCallout">
             <a:avLst>
-              <a:gd name="adj1" fmla="val -67011"/>
-              <a:gd name="adj2" fmla="val 16915"/>
+              <a:gd name="adj1" fmla="val -8408"/>
+              <a:gd name="adj2" fmla="val 91804"/>
               <a:gd name="adj3" fmla="val 16667"/>
             </a:avLst>
           </a:prstGeom>
@@ -4449,7 +4733,21 @@
                 <a:latin typeface="微软雅黑" pitchFamily="34" charset="-122"/>
                 <a:ea typeface="微软雅黑" pitchFamily="34" charset="-122"/>
               </a:rPr>
-              <a:t>命名参数</a:t>
+              <a:t>调用</a:t>
+            </a:r>
+            <a:r>
+              <a:rPr lang="en-US" altLang="zh-CN" dirty="0" smtClean="0">
+                <a:latin typeface="微软雅黑" pitchFamily="34" charset="-122"/>
+                <a:ea typeface="微软雅黑" pitchFamily="34" charset="-122"/>
+              </a:rPr>
+              <a:t>2</a:t>
+            </a:r>
+            <a:r>
+              <a:rPr lang="zh-CN" altLang="en-US" dirty="0" smtClean="0">
+                <a:latin typeface="微软雅黑" pitchFamily="34" charset="-122"/>
+                <a:ea typeface="微软雅黑" pitchFamily="34" charset="-122"/>
+              </a:rPr>
+              <a:t>个参数的混合</a:t>
             </a:r>
             <a:endParaRPr lang="zh-CN" altLang="en-US" dirty="0">
               <a:latin typeface="微软雅黑" pitchFamily="34" charset="-122"/>
@@ -4466,13 +4764,13 @@
         </p:nvSpPr>
         <p:spPr>
           <a:xfrm>
-            <a:off x="2771800" y="538251"/>
-            <a:ext cx="2088232" cy="432048"/>
+            <a:off x="2483768" y="404664"/>
+            <a:ext cx="2232248" cy="432048"/>
           </a:xfrm>
           <a:prstGeom prst="wedgeRoundRectCallout">
             <a:avLst>
-              <a:gd name="adj1" fmla="val -67011"/>
-              <a:gd name="adj2" fmla="val 16915"/>
+              <a:gd name="adj1" fmla="val -58188"/>
+              <a:gd name="adj2" fmla="val 23427"/>
               <a:gd name="adj3" fmla="val 16667"/>
             </a:avLst>
           </a:prstGeom>
@@ -4501,7 +4799,164 @@
                 <a:latin typeface="微软雅黑" pitchFamily="34" charset="-122"/>
                 <a:ea typeface="微软雅黑" pitchFamily="34" charset="-122"/>
               </a:rPr>
-              <a:t>同名混和“重载”</a:t>
+              <a:t>同名</a:t>
+            </a:r>
+            <a:r>
+              <a:rPr lang="zh-CN" altLang="en-US" dirty="0" smtClean="0">
+                <a:latin typeface="微软雅黑" pitchFamily="34" charset="-122"/>
+                <a:ea typeface="微软雅黑" pitchFamily="34" charset="-122"/>
+              </a:rPr>
+              <a:t>混和的“重载”</a:t>
+            </a:r>
+            <a:endParaRPr lang="zh-CN" altLang="en-US" dirty="0">
+              <a:latin typeface="微软雅黑" pitchFamily="34" charset="-122"/>
+              <a:ea typeface="微软雅黑" pitchFamily="34" charset="-122"/>
+            </a:endParaRPr>
+          </a:p>
+        </p:txBody>
+      </p:sp>
+      <p:sp>
+        <p:nvSpPr>
+          <p:cNvPr id="10" name="圆角矩形标注 9"/>
+          <p:cNvSpPr/>
+          <p:nvPr/>
+        </p:nvSpPr>
+        <p:spPr>
+          <a:xfrm>
+            <a:off x="3203848" y="1916832"/>
+            <a:ext cx="2232248" cy="432048"/>
+          </a:xfrm>
+          <a:prstGeom prst="wedgeRoundRectCallout">
+            <a:avLst>
+              <a:gd name="adj1" fmla="val -58188"/>
+              <a:gd name="adj2" fmla="val 23427"/>
+              <a:gd name="adj3" fmla="val 16667"/>
+            </a:avLst>
+          </a:prstGeom>
+        </p:spPr>
+        <p:style>
+          <a:lnRef idx="2">
+            <a:schemeClr val="accent5"/>
+          </a:lnRef>
+          <a:fillRef idx="1">
+            <a:schemeClr val="lt1"/>
+          </a:fillRef>
+          <a:effectRef idx="0">
+            <a:schemeClr val="accent5"/>
+          </a:effectRef>
+          <a:fontRef idx="minor">
+            <a:schemeClr val="dk1"/>
+          </a:fontRef>
+        </p:style>
+        <p:txBody>
+          <a:bodyPr rtlCol="0" anchor="ctr"/>
+          <a:lstStyle/>
+          <a:p>
+            <a:pPr algn="ctr"/>
+            <a:r>
+              <a:rPr lang="zh-CN" altLang="en-US" dirty="0" smtClean="0">
+                <a:latin typeface="微软雅黑" pitchFamily="34" charset="-122"/>
+                <a:ea typeface="微软雅黑" pitchFamily="34" charset="-122"/>
+              </a:rPr>
+              <a:t>同名，多一个参数</a:t>
+            </a:r>
+            <a:endParaRPr lang="zh-CN" altLang="en-US" dirty="0">
+              <a:latin typeface="微软雅黑" pitchFamily="34" charset="-122"/>
+              <a:ea typeface="微软雅黑" pitchFamily="34" charset="-122"/>
+            </a:endParaRPr>
+          </a:p>
+        </p:txBody>
+      </p:sp>
+      <p:sp>
+        <p:nvSpPr>
+          <p:cNvPr id="11" name="矩形 10"/>
+          <p:cNvSpPr/>
+          <p:nvPr/>
+        </p:nvSpPr>
+        <p:spPr>
+          <a:xfrm>
+            <a:off x="683568" y="6256373"/>
+            <a:ext cx="5517686" cy="340979"/>
+          </a:xfrm>
+          <a:prstGeom prst="rect">
+            <a:avLst/>
+          </a:prstGeom>
+          <a:noFill/>
+          <a:ln w="38100">
+            <a:solidFill>
+              <a:srgbClr val="FFFF00"/>
+            </a:solidFill>
+          </a:ln>
+        </p:spPr>
+        <p:style>
+          <a:lnRef idx="2">
+            <a:schemeClr val="accent1">
+              <a:shade val="50000"/>
+            </a:schemeClr>
+          </a:lnRef>
+          <a:fillRef idx="1">
+            <a:schemeClr val="accent1"/>
+          </a:fillRef>
+          <a:effectRef idx="0">
+            <a:schemeClr val="accent1"/>
+          </a:effectRef>
+          <a:fontRef idx="minor">
+            <a:schemeClr val="lt1"/>
+          </a:fontRef>
+        </p:style>
+        <p:txBody>
+          <a:bodyPr rtlCol="0" anchor="ctr"/>
+          <a:lstStyle/>
+          <a:p>
+            <a:pPr algn="ctr"/>
+            <a:endParaRPr lang="zh-CN" altLang="en-US"/>
+          </a:p>
+        </p:txBody>
+      </p:sp>
+      <p:sp>
+        <p:nvSpPr>
+          <p:cNvPr id="12" name="圆角矩形标注 11"/>
+          <p:cNvSpPr/>
+          <p:nvPr/>
+        </p:nvSpPr>
+        <p:spPr>
+          <a:xfrm>
+            <a:off x="4535996" y="5562132"/>
+            <a:ext cx="3492388" cy="432048"/>
+          </a:xfrm>
+          <a:prstGeom prst="wedgeRoundRectCallout">
+            <a:avLst>
+              <a:gd name="adj1" fmla="val -21701"/>
+              <a:gd name="adj2" fmla="val 98316"/>
+              <a:gd name="adj3" fmla="val 16667"/>
+            </a:avLst>
+          </a:prstGeom>
+        </p:spPr>
+        <p:style>
+          <a:lnRef idx="2">
+            <a:schemeClr val="accent5"/>
+          </a:lnRef>
+          <a:fillRef idx="1">
+            <a:schemeClr val="lt1"/>
+          </a:fillRef>
+          <a:effectRef idx="0">
+            <a:schemeClr val="accent5"/>
+          </a:effectRef>
+          <a:fontRef idx="minor">
+            <a:schemeClr val="dk1"/>
+          </a:fontRef>
+        </p:style>
+        <p:txBody>
+          <a:bodyPr rtlCol="0" anchor="ctr"/>
+          <a:lstStyle/>
+          <a:p>
+            <a:pPr algn="ctr"/>
+            <a:r>
+              <a:rPr lang="zh-CN" altLang="en-US" dirty="0" smtClean="0">
+                <a:latin typeface="微软雅黑" pitchFamily="34" charset="-122"/>
+                <a:ea typeface="微软雅黑" pitchFamily="34" charset="-122"/>
+              </a:rPr>
+              <a:t>命名参数，顺序反了也不要紧</a:t>
             </a:r>
             <a:endParaRPr lang="zh-CN" altLang="en-US" dirty="0">
               <a:latin typeface="微软雅黑" pitchFamily="34" charset="-122"/>
@@ -4569,12 +5024,22 @@
         </p:blipFill>
         <p:spPr>
           <a:xfrm>
-            <a:off x="467544" y="219690"/>
+            <a:off x="683568" y="219690"/>
             <a:ext cx="5688632" cy="6359461"/>
           </a:xfrm>
           <a:prstGeom prst="rect">
             <a:avLst/>
           </a:prstGeom>
+          <a:ln>
+            <a:noFill/>
+          </a:ln>
+          <a:effectLst>
+            <a:outerShdw blurRad="292100" dist="139700" dir="2700000" algn="tl" rotWithShape="0">
+              <a:srgbClr val="333333">
+                <a:alpha val="65000"/>
+              </a:srgbClr>
+            </a:outerShdw>
+          </a:effectLst>
         </p:spPr>
       </p:pic>
       <p:sp>
@@ -4585,7 +5050,7 @@
         </p:nvSpPr>
         <p:spPr>
           <a:xfrm>
-            <a:off x="2339752" y="836712"/>
+            <a:off x="2555776" y="836712"/>
             <a:ext cx="1512168" cy="360040"/>
           </a:xfrm>
           <a:prstGeom prst="rect">
@@ -4631,8 +5096,8 @@
         </p:nvSpPr>
         <p:spPr>
           <a:xfrm>
-            <a:off x="611560" y="1484784"/>
-            <a:ext cx="2349334" cy="360040"/>
+            <a:off x="827584" y="1484784"/>
+            <a:ext cx="1956366" cy="360040"/>
           </a:xfrm>
           <a:prstGeom prst="rect">
             <a:avLst/>
@@ -4677,7 +5142,7 @@
         </p:nvSpPr>
         <p:spPr>
           <a:xfrm>
-            <a:off x="611560" y="2420888"/>
+            <a:off x="827584" y="2420888"/>
             <a:ext cx="3524001" cy="360040"/>
           </a:xfrm>
           <a:prstGeom prst="rect">
@@ -4723,7 +5188,7 @@
         </p:nvSpPr>
         <p:spPr>
           <a:xfrm>
-            <a:off x="611560" y="4005064"/>
+            <a:off x="827584" y="4005064"/>
             <a:ext cx="1512168" cy="360040"/>
           </a:xfrm>
           <a:prstGeom prst="rect">
@@ -4769,7 +5234,7 @@
         </p:nvSpPr>
         <p:spPr>
           <a:xfrm>
-            <a:off x="635862" y="5013176"/>
+            <a:off x="851886" y="5013176"/>
             <a:ext cx="3864129" cy="1296144"/>
           </a:xfrm>
           <a:prstGeom prst="rect">
@@ -4815,13 +5280,13 @@
         </p:nvSpPr>
         <p:spPr>
           <a:xfrm>
-            <a:off x="4283968" y="983995"/>
-            <a:ext cx="2088232" cy="432048"/>
+            <a:off x="4139952" y="836712"/>
+            <a:ext cx="1800200" cy="432048"/>
           </a:xfrm>
           <a:prstGeom prst="wedgeRoundRectCallout">
             <a:avLst>
-              <a:gd name="adj1" fmla="val -67011"/>
-              <a:gd name="adj2" fmla="val 16915"/>
+              <a:gd name="adj1" fmla="val -55559"/>
+              <a:gd name="adj2" fmla="val 13659"/>
               <a:gd name="adj3" fmla="val 16667"/>
             </a:avLst>
           </a:prstGeom>
@@ -4867,13 +5332,13 @@
         </p:nvSpPr>
         <p:spPr>
           <a:xfrm>
-            <a:off x="3455874" y="1484784"/>
+            <a:off x="3059832" y="1340768"/>
             <a:ext cx="2700301" cy="432048"/>
           </a:xfrm>
           <a:prstGeom prst="wedgeRoundRectCallout">
             <a:avLst>
-              <a:gd name="adj1" fmla="val -67011"/>
-              <a:gd name="adj2" fmla="val 16915"/>
+              <a:gd name="adj1" fmla="val -56071"/>
+              <a:gd name="adj2" fmla="val 7147"/>
               <a:gd name="adj3" fmla="val 16667"/>
             </a:avLst>
           </a:prstGeom>
@@ -4919,13 +5384,13 @@
         </p:nvSpPr>
         <p:spPr>
           <a:xfrm>
-            <a:off x="4499991" y="2348880"/>
-            <a:ext cx="2664297" cy="432048"/>
+            <a:off x="4427984" y="1818645"/>
+            <a:ext cx="4104456" cy="962283"/>
           </a:xfrm>
           <a:prstGeom prst="wedgeRoundRectCallout">
             <a:avLst>
-              <a:gd name="adj1" fmla="val -67011"/>
-              <a:gd name="adj2" fmla="val 16915"/>
+              <a:gd name="adj1" fmla="val -55923"/>
+              <a:gd name="adj2" fmla="val 23427"/>
               <a:gd name="adj3" fmla="val 16667"/>
             </a:avLst>
           </a:prstGeom>
@@ -4948,7 +5413,11 @@
           <a:bodyPr rtlCol="0" anchor="ctr"/>
           <a:lstStyle/>
           <a:p>
-            <a:pPr algn="ctr"/>
+            <a:pPr algn="ctr">
+              <a:lnSpc>
+                <a:spcPct val="150000"/>
+              </a:lnSpc>
+            </a:pPr>
             <a:r>
               <a:rPr lang="en-US" altLang="zh-CN" dirty="0" smtClean="0">
                 <a:latin typeface="微软雅黑" pitchFamily="34" charset="-122"/>
@@ -4961,15 +5430,33 @@
                 <a:latin typeface="微软雅黑" pitchFamily="34" charset="-122"/>
                 <a:ea typeface="微软雅黑" pitchFamily="34" charset="-122"/>
               </a:rPr>
-              <a:t>是参数分界</a:t>
-            </a:r>
-            <a:r>
-              <a:rPr lang="zh-CN" altLang="en-US" dirty="0">
-                <a:latin typeface="微软雅黑" pitchFamily="34" charset="-122"/>
-                <a:ea typeface="微软雅黑" pitchFamily="34" charset="-122"/>
-              </a:rPr>
-              <a:t>线</a:t>
-            </a:r>
+              <a:t>是分界线，本身不代表任何参数，仅表示</a:t>
+            </a:r>
+            <a:r>
+              <a:rPr lang="en-US" altLang="zh-CN" dirty="0" smtClean="0">
+                <a:latin typeface="微软雅黑" pitchFamily="34" charset="-122"/>
+                <a:ea typeface="微软雅黑" pitchFamily="34" charset="-122"/>
+              </a:rPr>
+              <a:t>@</a:t>
+            </a:r>
+            <a:r>
+              <a:rPr lang="en-US" altLang="zh-CN" dirty="0" err="1" smtClean="0">
+                <a:latin typeface="微软雅黑" pitchFamily="34" charset="-122"/>
+                <a:ea typeface="微软雅黑" pitchFamily="34" charset="-122"/>
+              </a:rPr>
+              <a:t>url</a:t>
+            </a:r>
+            <a:r>
+              <a:rPr lang="zh-CN" altLang="en-US" dirty="0" smtClean="0">
+                <a:latin typeface="微软雅黑" pitchFamily="34" charset="-122"/>
+                <a:ea typeface="微软雅黑" pitchFamily="34" charset="-122"/>
+              </a:rPr>
+              <a:t>和之后参数的分界</a:t>
+            </a:r>
+            <a:endParaRPr lang="zh-CN" altLang="en-US" dirty="0">
+              <a:latin typeface="微软雅黑" pitchFamily="34" charset="-122"/>
+              <a:ea typeface="微软雅黑" pitchFamily="34" charset="-122"/>
+            </a:endParaRPr>
           </a:p>
         </p:txBody>
       </p:sp>
@@ -4981,7 +5468,7 @@
         </p:nvSpPr>
         <p:spPr>
           <a:xfrm>
-            <a:off x="3311860" y="3183396"/>
+            <a:off x="3491880" y="3140968"/>
             <a:ext cx="3852428" cy="821668"/>
           </a:xfrm>
           <a:prstGeom prst="wedgeRoundRectCallout">
@@ -5097,13 +5584,13 @@
         </p:nvSpPr>
         <p:spPr>
           <a:xfrm>
-            <a:off x="2803412" y="4012987"/>
-            <a:ext cx="2128628" cy="432048"/>
+            <a:off x="2174292" y="4005064"/>
+            <a:ext cx="3765860" cy="432048"/>
           </a:xfrm>
           <a:prstGeom prst="wedgeRoundRectCallout">
             <a:avLst>
-              <a:gd name="adj1" fmla="val -67011"/>
-              <a:gd name="adj2" fmla="val 16915"/>
+              <a:gd name="adj1" fmla="val -52472"/>
+              <a:gd name="adj2" fmla="val 3891"/>
               <a:gd name="adj3" fmla="val 16667"/>
             </a:avLst>
           </a:prstGeom>
@@ -5139,7 +5626,14 @@
                 <a:latin typeface="微软雅黑" pitchFamily="34" charset="-122"/>
                 <a:ea typeface="微软雅黑" pitchFamily="34" charset="-122"/>
               </a:rPr>
-              <a:t>符号表示方式</a:t>
+              <a:t>符号表示</a:t>
+            </a:r>
+            <a:r>
+              <a:rPr lang="zh-CN" altLang="en-US" dirty="0" smtClean="0">
+                <a:latin typeface="微软雅黑" pitchFamily="34" charset="-122"/>
+                <a:ea typeface="微软雅黑" pitchFamily="34" charset="-122"/>
+              </a:rPr>
+              <a:t>方式，防止编译改变</a:t>
             </a:r>
             <a:endParaRPr lang="zh-CN" altLang="en-US" dirty="0">
               <a:latin typeface="微软雅黑" pitchFamily="34" charset="-122"/>
@@ -5207,7 +5701,7 @@
         </p:blipFill>
         <p:spPr>
           <a:xfrm>
-            <a:off x="1059609" y="692696"/>
+            <a:off x="755576" y="548680"/>
             <a:ext cx="6973273" cy="3134162"/>
           </a:xfrm>
           <a:prstGeom prst="rect">
@@ -5225,6 +5719,131 @@
           </a:effectLst>
         </p:spPr>
       </p:pic>
+      <p:sp>
+        <p:nvSpPr>
+          <p:cNvPr id="3" name="圆角矩形标注 2"/>
+          <p:cNvSpPr/>
+          <p:nvPr/>
+        </p:nvSpPr>
+        <p:spPr>
+          <a:xfrm>
+            <a:off x="2755799" y="404664"/>
+            <a:ext cx="4104456" cy="432048"/>
+          </a:xfrm>
+          <a:prstGeom prst="wedgeRoundRectCallout">
+            <a:avLst>
+              <a:gd name="adj1" fmla="val -25244"/>
+              <a:gd name="adj2" fmla="val 72268"/>
+              <a:gd name="adj3" fmla="val 16667"/>
+            </a:avLst>
+          </a:prstGeom>
+        </p:spPr>
+        <p:style>
+          <a:lnRef idx="2">
+            <a:schemeClr val="accent5"/>
+          </a:lnRef>
+          <a:fillRef idx="1">
+            <a:schemeClr val="lt1"/>
+          </a:fillRef>
+          <a:effectRef idx="0">
+            <a:schemeClr val="accent5"/>
+          </a:effectRef>
+          <a:fontRef idx="minor">
+            <a:schemeClr val="dk1"/>
+          </a:fontRef>
+        </p:style>
+        <p:txBody>
+          <a:bodyPr rtlCol="0" anchor="ctr"/>
+          <a:lstStyle/>
+          <a:p>
+            <a:pPr algn="ctr"/>
+            <a:r>
+              <a:rPr lang="en-US" altLang="zh-CN" dirty="0">
+                <a:latin typeface="微软雅黑" pitchFamily="34" charset="-122"/>
+                <a:ea typeface="微软雅黑" pitchFamily="34" charset="-122"/>
+              </a:rPr>
+              <a:t>@</a:t>
+            </a:r>
+            <a:r>
+              <a:rPr lang="en-US" altLang="zh-CN" dirty="0" smtClean="0">
+                <a:latin typeface="微软雅黑" pitchFamily="34" charset="-122"/>
+                <a:ea typeface="微软雅黑" pitchFamily="34" charset="-122"/>
+              </a:rPr>
+              <a:t>arguments</a:t>
+            </a:r>
+            <a:r>
+              <a:rPr lang="zh-CN" altLang="en-US" dirty="0" smtClean="0">
+                <a:latin typeface="微软雅黑" pitchFamily="34" charset="-122"/>
+                <a:ea typeface="微软雅黑" pitchFamily="34" charset="-122"/>
+              </a:rPr>
+              <a:t>将所有参数用空格连接</a:t>
+            </a:r>
+            <a:endParaRPr lang="zh-CN" altLang="en-US" dirty="0">
+              <a:latin typeface="微软雅黑" pitchFamily="34" charset="-122"/>
+              <a:ea typeface="微软雅黑" pitchFamily="34" charset="-122"/>
+            </a:endParaRPr>
+          </a:p>
+        </p:txBody>
+      </p:sp>
+      <p:sp>
+        <p:nvSpPr>
+          <p:cNvPr id="4" name="圆角矩形标注 3"/>
+          <p:cNvSpPr/>
+          <p:nvPr/>
+        </p:nvSpPr>
+        <p:spPr>
+          <a:xfrm>
+            <a:off x="3115839" y="2348880"/>
+            <a:ext cx="3312368" cy="432048"/>
+          </a:xfrm>
+          <a:prstGeom prst="wedgeRoundRectCallout">
+            <a:avLst>
+              <a:gd name="adj1" fmla="val -29014"/>
+              <a:gd name="adj2" fmla="val -64486"/>
+              <a:gd name="adj3" fmla="val 16667"/>
+            </a:avLst>
+          </a:prstGeom>
+        </p:spPr>
+        <p:style>
+          <a:lnRef idx="2">
+            <a:schemeClr val="accent5"/>
+          </a:lnRef>
+          <a:fillRef idx="1">
+            <a:schemeClr val="lt1"/>
+          </a:fillRef>
+          <a:effectRef idx="0">
+            <a:schemeClr val="accent5"/>
+          </a:effectRef>
+          <a:fontRef idx="minor">
+            <a:schemeClr val="dk1"/>
+          </a:fontRef>
+        </p:style>
+        <p:txBody>
+          <a:bodyPr rtlCol="0" anchor="ctr"/>
+          <a:lstStyle/>
+          <a:p>
+            <a:pPr algn="ctr"/>
+            <a:r>
+              <a:rPr lang="en-US" altLang="zh-CN" dirty="0" smtClean="0">
+                <a:latin typeface="微软雅黑" pitchFamily="34" charset="-122"/>
+                <a:ea typeface="微软雅黑" pitchFamily="34" charset="-122"/>
+              </a:rPr>
+              <a:t>@rest</a:t>
+            </a:r>
+            <a:r>
+              <a:rPr lang="zh-CN" altLang="en-US" dirty="0" smtClean="0">
+                <a:latin typeface="微软雅黑" pitchFamily="34" charset="-122"/>
+                <a:ea typeface="微软雅黑" pitchFamily="34" charset="-122"/>
+              </a:rPr>
+              <a:t>将所有参数用空格连接</a:t>
+            </a:r>
+            <a:endParaRPr lang="zh-CN" altLang="en-US" dirty="0">
+              <a:latin typeface="微软雅黑" pitchFamily="34" charset="-122"/>
+              <a:ea typeface="微软雅黑" pitchFamily="34" charset="-122"/>
+            </a:endParaRPr>
+          </a:p>
+        </p:txBody>
+      </p:sp>
     </p:spTree>
     <p:extLst>
       <p:ext uri="{BB962C8B-B14F-4D97-AF65-F5344CB8AC3E}">
@@ -5271,7 +5890,7 @@
         <p:spPr>
           <a:xfrm>
             <a:off x="684000" y="116632"/>
-            <a:ext cx="7776000" cy="1384995"/>
+            <a:ext cx="7776000" cy="1292662"/>
           </a:xfrm>
           <a:prstGeom prst="rect">
             <a:avLst/>
@@ -5333,20 +5952,98 @@
               </a:lnSpc>
             </a:pPr>
             <a:r>
-              <a:rPr lang="zh-CN" altLang="en-US" sz="2800" dirty="0" smtClean="0">
-                <a:solidFill>
-                  <a:schemeClr val="tx1">
-                    <a:lumMod val="75000"/>
-                    <a:lumOff val="25000"/>
-                  </a:schemeClr>
-                </a:solidFill>
-                <a:latin typeface="微软雅黑" pitchFamily="34" charset="-122"/>
-                <a:ea typeface="微软雅黑" pitchFamily="34" charset="-122"/>
-              </a:rPr>
-              <a:t>混合中的第一个参数，可以区别同名混合</a:t>
-            </a:r>
-            <a:r>
-              <a:rPr lang="en-US" altLang="zh-CN" sz="2800" dirty="0" smtClean="0">
+              <a:rPr lang="zh-CN" altLang="en-US" sz="2400" dirty="0" smtClean="0">
+                <a:solidFill>
+                  <a:schemeClr val="tx1">
+                    <a:lumMod val="75000"/>
+                    <a:lumOff val="25000"/>
+                  </a:schemeClr>
+                </a:solidFill>
+                <a:latin typeface="微软雅黑" pitchFamily="34" charset="-122"/>
+                <a:ea typeface="微软雅黑" pitchFamily="34" charset="-122"/>
+              </a:rPr>
+              <a:t>混合</a:t>
+            </a:r>
+            <a:r>
+              <a:rPr lang="zh-CN" altLang="en-US" sz="2400" dirty="0">
+                <a:solidFill>
+                  <a:schemeClr val="tx1">
+                    <a:lumMod val="75000"/>
+                    <a:lumOff val="25000"/>
+                  </a:schemeClr>
+                </a:solidFill>
+                <a:latin typeface="微软雅黑" pitchFamily="34" charset="-122"/>
+                <a:ea typeface="微软雅黑" pitchFamily="34" charset="-122"/>
+              </a:rPr>
+              <a:t>的</a:t>
+            </a:r>
+            <a:r>
+              <a:rPr lang="zh-CN" altLang="en-US" sz="2400" dirty="0" smtClean="0">
+                <a:solidFill>
+                  <a:schemeClr val="tx1">
+                    <a:lumMod val="75000"/>
+                    <a:lumOff val="25000"/>
+                  </a:schemeClr>
+                </a:solidFill>
+                <a:latin typeface="微软雅黑" pitchFamily="34" charset="-122"/>
+                <a:ea typeface="微软雅黑" pitchFamily="34" charset="-122"/>
+              </a:rPr>
+              <a:t>第一</a:t>
+            </a:r>
+            <a:r>
+              <a:rPr lang="zh-CN" altLang="en-US" sz="2400" dirty="0" smtClean="0">
+                <a:solidFill>
+                  <a:schemeClr val="tx1">
+                    <a:lumMod val="75000"/>
+                    <a:lumOff val="25000"/>
+                  </a:schemeClr>
+                </a:solidFill>
+                <a:latin typeface="微软雅黑" pitchFamily="34" charset="-122"/>
+                <a:ea typeface="微软雅黑" pitchFamily="34" charset="-122"/>
+              </a:rPr>
+              <a:t>个参数，</a:t>
+            </a:r>
+            <a:r>
+              <a:rPr lang="zh-CN" altLang="en-US" sz="2400" dirty="0" smtClean="0">
+                <a:solidFill>
+                  <a:schemeClr val="tx1">
+                    <a:lumMod val="75000"/>
+                    <a:lumOff val="25000"/>
+                  </a:schemeClr>
+                </a:solidFill>
+                <a:latin typeface="微软雅黑" pitchFamily="34" charset="-122"/>
+                <a:ea typeface="微软雅黑" pitchFamily="34" charset="-122"/>
+              </a:rPr>
+              <a:t>可以是名字，以区别</a:t>
+            </a:r>
+            <a:r>
+              <a:rPr lang="zh-CN" altLang="en-US" sz="2400" dirty="0" smtClean="0">
+                <a:solidFill>
+                  <a:schemeClr val="tx1">
+                    <a:lumMod val="75000"/>
+                    <a:lumOff val="25000"/>
+                  </a:schemeClr>
+                </a:solidFill>
+                <a:latin typeface="微软雅黑" pitchFamily="34" charset="-122"/>
+                <a:ea typeface="微软雅黑" pitchFamily="34" charset="-122"/>
+              </a:rPr>
+              <a:t>同名</a:t>
+            </a:r>
+            <a:r>
+              <a:rPr lang="zh-CN" altLang="en-US" sz="2400" dirty="0" smtClean="0">
+                <a:solidFill>
+                  <a:schemeClr val="tx1">
+                    <a:lumMod val="75000"/>
+                    <a:lumOff val="25000"/>
+                  </a:schemeClr>
+                </a:solidFill>
+                <a:latin typeface="微软雅黑" pitchFamily="34" charset="-122"/>
+                <a:ea typeface="微软雅黑" pitchFamily="34" charset="-122"/>
+              </a:rPr>
+              <a:t>混合</a:t>
+            </a:r>
+            <a:r>
+              <a:rPr lang="en-US" altLang="zh-CN" sz="2400" dirty="0" smtClean="0">
                 <a:solidFill>
                   <a:schemeClr val="tx1">
                     <a:lumMod val="75000"/>
@@ -5358,6 +6055,16 @@
               </a:rPr>
               <a:t>.</a:t>
             </a:r>
+            <a:endParaRPr lang="en-US" altLang="zh-CN" sz="2400" dirty="0" smtClean="0">
+              <a:solidFill>
+                <a:schemeClr val="tx1">
+                  <a:lumMod val="75000"/>
+                  <a:lumOff val="25000"/>
+                </a:schemeClr>
+              </a:solidFill>
+              <a:latin typeface="微软雅黑" pitchFamily="34" charset="-122"/>
+              <a:ea typeface="微软雅黑" pitchFamily="34" charset="-122"/>
+            </a:endParaRPr>
           </a:p>
         </p:txBody>
       </p:sp>
@@ -5423,19 +6130,23 @@
         </p:blipFill>
         <p:spPr>
           <a:xfrm>
-            <a:off x="4866731" y="2348880"/>
-            <a:ext cx="4058216" cy="2076740"/>
+            <a:off x="4733193" y="2348880"/>
+            <a:ext cx="3799247" cy="1944216"/>
           </a:xfrm>
           <a:prstGeom prst="rect">
             <a:avLst/>
           </a:prstGeom>
-          <a:ln>
-            <a:noFill/>
+          <a:ln w="38100" cap="sq">
+            <a:solidFill>
+              <a:srgbClr val="000000"/>
+            </a:solidFill>
+            <a:prstDash val="solid"/>
+            <a:miter lim="800000"/>
           </a:ln>
           <a:effectLst>
-            <a:outerShdw blurRad="292100" dist="139700" dir="2700000" algn="tl" rotWithShape="0">
-              <a:srgbClr val="333333">
-                <a:alpha val="65000"/>
+            <a:outerShdw blurRad="50800" dist="38100" dir="2700000" algn="tl" rotWithShape="0">
+              <a:srgbClr val="000000">
+                <a:alpha val="43000"/>
               </a:srgbClr>
             </a:outerShdw>
           </a:effectLst>
@@ -5449,7 +6160,7 @@
         </p:nvSpPr>
         <p:spPr>
           <a:xfrm>
-            <a:off x="4572000" y="3063214"/>
+            <a:off x="4199562" y="3063214"/>
             <a:ext cx="576064" cy="648072"/>
           </a:xfrm>
           <a:prstGeom prst="rightArrow">
@@ -5698,7 +6409,7 @@
         </p:nvSpPr>
         <p:spPr>
           <a:xfrm>
-            <a:off x="784361" y="6165304"/>
+            <a:off x="827584" y="5949280"/>
             <a:ext cx="4464496" cy="432048"/>
           </a:xfrm>
           <a:prstGeom prst="wedgeRoundRectCallout">
@@ -5734,6 +6445,72 @@
                 <a:ea typeface="微软雅黑" pitchFamily="34" charset="-122"/>
               </a:rPr>
               <a:t>不同的参数数量，其实也是一种模式匹配</a:t>
+            </a:r>
+            <a:endParaRPr lang="zh-CN" altLang="en-US" dirty="0">
+              <a:latin typeface="微软雅黑" pitchFamily="34" charset="-122"/>
+              <a:ea typeface="微软雅黑" pitchFamily="34" charset="-122"/>
+            </a:endParaRPr>
+          </a:p>
+        </p:txBody>
+      </p:sp>
+      <p:sp>
+        <p:nvSpPr>
+          <p:cNvPr id="11" name="圆角矩形标注 10"/>
+          <p:cNvSpPr/>
+          <p:nvPr/>
+        </p:nvSpPr>
+        <p:spPr>
+          <a:xfrm>
+            <a:off x="3095836" y="1717543"/>
+            <a:ext cx="4284475" cy="432048"/>
+          </a:xfrm>
+          <a:prstGeom prst="wedgeRoundRectCallout">
+            <a:avLst>
+              <a:gd name="adj1" fmla="val -55559"/>
+              <a:gd name="adj2" fmla="val 13659"/>
+              <a:gd name="adj3" fmla="val 16667"/>
+            </a:avLst>
+          </a:prstGeom>
+        </p:spPr>
+        <p:style>
+          <a:lnRef idx="2">
+            <a:schemeClr val="accent5"/>
+          </a:lnRef>
+          <a:fillRef idx="1">
+            <a:schemeClr val="lt1"/>
+          </a:fillRef>
+          <a:effectRef idx="0">
+            <a:schemeClr val="accent5"/>
+          </a:effectRef>
+          <a:fontRef idx="minor">
+            <a:schemeClr val="dk1"/>
+          </a:fontRef>
+        </p:style>
+        <p:txBody>
+          <a:bodyPr rtlCol="0" anchor="ctr"/>
+          <a:lstStyle/>
+          <a:p>
+            <a:pPr algn="ctr"/>
+            <a:r>
+              <a:rPr lang="zh-CN" altLang="en-US" dirty="0" smtClean="0">
+                <a:latin typeface="微软雅黑" pitchFamily="34" charset="-122"/>
+                <a:ea typeface="微软雅黑" pitchFamily="34" charset="-122"/>
+              </a:rPr>
+              <a:t>注意这个参数没有</a:t>
+            </a:r>
+            <a:r>
+              <a:rPr lang="en-US" altLang="zh-CN" dirty="0" smtClean="0">
+                <a:latin typeface="微软雅黑" pitchFamily="34" charset="-122"/>
+                <a:ea typeface="微软雅黑" pitchFamily="34" charset="-122"/>
+              </a:rPr>
+              <a:t>@</a:t>
+            </a:r>
+            <a:r>
+              <a:rPr lang="zh-CN" altLang="en-US" dirty="0" smtClean="0">
+                <a:latin typeface="微软雅黑" pitchFamily="34" charset="-122"/>
+                <a:ea typeface="微软雅黑" pitchFamily="34" charset="-122"/>
+              </a:rPr>
+              <a:t>符号，是一个名称</a:t>
             </a:r>
             <a:endParaRPr lang="zh-CN" altLang="en-US" dirty="0">
               <a:latin typeface="微软雅黑" pitchFamily="34" charset="-122"/>
@@ -6477,6 +7254,110 @@
           </a:effectLst>
         </p:spPr>
       </p:pic>
+      <p:sp>
+        <p:nvSpPr>
+          <p:cNvPr id="11" name="圆角矩形标注 10"/>
+          <p:cNvSpPr/>
+          <p:nvPr/>
+        </p:nvSpPr>
+        <p:spPr>
+          <a:xfrm>
+            <a:off x="1061610" y="4644048"/>
+            <a:ext cx="1836204" cy="432048"/>
+          </a:xfrm>
+          <a:prstGeom prst="wedgeRoundRectCallout">
+            <a:avLst>
+              <a:gd name="adj1" fmla="val -18132"/>
+              <a:gd name="adj2" fmla="val -106447"/>
+              <a:gd name="adj3" fmla="val 16667"/>
+            </a:avLst>
+          </a:prstGeom>
+        </p:spPr>
+        <p:style>
+          <a:lnRef idx="2">
+            <a:schemeClr val="accent5"/>
+          </a:lnRef>
+          <a:fillRef idx="1">
+            <a:schemeClr val="lt1"/>
+          </a:fillRef>
+          <a:effectRef idx="0">
+            <a:schemeClr val="accent5"/>
+          </a:effectRef>
+          <a:fontRef idx="minor">
+            <a:schemeClr val="dk1"/>
+          </a:fontRef>
+        </p:style>
+        <p:txBody>
+          <a:bodyPr rtlCol="0" anchor="ctr"/>
+          <a:lstStyle/>
+          <a:p>
+            <a:pPr algn="ctr"/>
+            <a:r>
+              <a:rPr lang="zh-CN" altLang="en-US" dirty="0" smtClean="0">
+                <a:latin typeface="微软雅黑" pitchFamily="34" charset="-122"/>
+                <a:ea typeface="微软雅黑" pitchFamily="34" charset="-122"/>
+              </a:rPr>
+              <a:t>括号要加的</a:t>
+            </a:r>
+            <a:endParaRPr lang="zh-CN" altLang="en-US" dirty="0">
+              <a:latin typeface="微软雅黑" pitchFamily="34" charset="-122"/>
+              <a:ea typeface="微软雅黑" pitchFamily="34" charset="-122"/>
+            </a:endParaRPr>
+          </a:p>
+        </p:txBody>
+      </p:sp>
+      <p:sp>
+        <p:nvSpPr>
+          <p:cNvPr id="12" name="圆角矩形标注 11"/>
+          <p:cNvSpPr/>
+          <p:nvPr/>
+        </p:nvSpPr>
+        <p:spPr>
+          <a:xfrm>
+            <a:off x="2729112" y="4077102"/>
+            <a:ext cx="1836204" cy="432048"/>
+          </a:xfrm>
+          <a:prstGeom prst="wedgeRoundRectCallout">
+            <a:avLst>
+              <a:gd name="adj1" fmla="val 59779"/>
+              <a:gd name="adj2" fmla="val 19856"/>
+              <a:gd name="adj3" fmla="val 16667"/>
+            </a:avLst>
+          </a:prstGeom>
+        </p:spPr>
+        <p:style>
+          <a:lnRef idx="2">
+            <a:schemeClr val="accent5"/>
+          </a:lnRef>
+          <a:fillRef idx="1">
+            <a:schemeClr val="lt1"/>
+          </a:fillRef>
+          <a:effectRef idx="0">
+            <a:schemeClr val="accent5"/>
+          </a:effectRef>
+          <a:fontRef idx="minor">
+            <a:schemeClr val="dk1"/>
+          </a:fontRef>
+        </p:style>
+        <p:txBody>
+          <a:bodyPr rtlCol="0" anchor="ctr"/>
+          <a:lstStyle/>
+          <a:p>
+            <a:pPr algn="ctr"/>
+            <a:r>
+              <a:rPr lang="zh-CN" altLang="en-US" dirty="0" smtClean="0">
+                <a:latin typeface="微软雅黑" pitchFamily="34" charset="-122"/>
+                <a:ea typeface="微软雅黑" pitchFamily="34" charset="-122"/>
+              </a:rPr>
+              <a:t>拷贝了所有属性</a:t>
+            </a:r>
+            <a:endParaRPr lang="zh-CN" altLang="en-US" dirty="0">
+              <a:latin typeface="微软雅黑" pitchFamily="34" charset="-122"/>
+              <a:ea typeface="微软雅黑" pitchFamily="34" charset="-122"/>
+            </a:endParaRPr>
+          </a:p>
+        </p:txBody>
+      </p:sp>
     </p:spTree>
     <p:extLst>
       <p:ext uri="{BB962C8B-B14F-4D97-AF65-F5344CB8AC3E}">
@@ -7141,12 +8022,12 @@
         <p:spPr>
           <a:xfrm>
             <a:off x="946556" y="1161836"/>
-            <a:ext cx="6073716" cy="432048"/>
+            <a:ext cx="4705564" cy="432048"/>
           </a:xfrm>
           <a:prstGeom prst="wedgeRoundRectCallout">
             <a:avLst>
-              <a:gd name="adj1" fmla="val -26852"/>
-              <a:gd name="adj2" fmla="val 82036"/>
+              <a:gd name="adj1" fmla="val -34404"/>
+              <a:gd name="adj2" fmla="val 78780"/>
               <a:gd name="adj3" fmla="val 16667"/>
             </a:avLst>
           </a:prstGeom>
@@ -7184,13 +8065,10 @@
               </a:rPr>
               <a:t>ID</a:t>
             </a:r>
-            <a:r>
-              <a:rPr lang="zh-CN" altLang="en-US" dirty="0">
-                <a:latin typeface="微软雅黑" pitchFamily="34" charset="-122"/>
-                <a:ea typeface="微软雅黑" pitchFamily="34" charset="-122"/>
-              </a:rPr>
-              <a:t>选择器</a:t>
-            </a:r>
+            <a:endParaRPr lang="zh-CN" altLang="en-US" dirty="0">
+              <a:latin typeface="微软雅黑" pitchFamily="34" charset="-122"/>
+              <a:ea typeface="微软雅黑" pitchFamily="34" charset="-122"/>
+            </a:endParaRPr>
           </a:p>
         </p:txBody>
       </p:sp>
@@ -7203,7 +8081,7 @@
         <p:spPr>
           <a:xfrm>
             <a:off x="4188394" y="4907266"/>
-            <a:ext cx="4320481" cy="694675"/>
+            <a:ext cx="4320481" cy="865487"/>
           </a:xfrm>
           <a:prstGeom prst="wedgeRoundRectCallout">
             <a:avLst>
@@ -7269,14 +8147,28 @@
                 <a:latin typeface="微软雅黑" pitchFamily="34" charset="-122"/>
                 <a:ea typeface="微软雅黑" pitchFamily="34" charset="-122"/>
               </a:rPr>
-              <a:t>中，但不包括</a:t>
+              <a:t>中，但</a:t>
+            </a:r>
+            <a:r>
+              <a:rPr lang="zh-CN" altLang="en-US" dirty="0" smtClean="0">
+                <a:latin typeface="微软雅黑" pitchFamily="34" charset="-122"/>
+                <a:ea typeface="微软雅黑" pitchFamily="34" charset="-122"/>
+              </a:rPr>
+              <a:t>不复制</a:t>
             </a:r>
             <a:r>
               <a:rPr lang="en-US" altLang="zh-CN" dirty="0" smtClean="0">
                 <a:latin typeface="微软雅黑" pitchFamily="34" charset="-122"/>
                 <a:ea typeface="微软雅黑" pitchFamily="34" charset="-122"/>
               </a:rPr>
-              <a:t>#mix() </a:t>
+              <a:t>#mix</a:t>
+            </a:r>
+            <a:r>
+              <a:rPr lang="en-US" altLang="zh-CN" dirty="0" smtClean="0">
+                <a:latin typeface="微软雅黑" pitchFamily="34" charset="-122"/>
+                <a:ea typeface="微软雅黑" pitchFamily="34" charset="-122"/>
+              </a:rPr>
+              <a:t>() </a:t>
             </a:r>
             <a:r>
               <a:rPr lang="zh-CN" altLang="en-US" dirty="0" smtClean="0">
@@ -7292,6 +8184,91 @@
           </a:p>
         </p:txBody>
       </p:sp>
+      <p:sp>
+        <p:nvSpPr>
+          <p:cNvPr id="14" name="矩形 13"/>
+          <p:cNvSpPr/>
+          <p:nvPr/>
+        </p:nvSpPr>
+        <p:spPr>
+          <a:xfrm>
+            <a:off x="961800" y="5085184"/>
+            <a:ext cx="1224136" cy="360040"/>
+          </a:xfrm>
+          <a:prstGeom prst="rect">
+            <a:avLst/>
+          </a:prstGeom>
+          <a:noFill/>
+          <a:ln w="38100">
+            <a:solidFill>
+              <a:srgbClr val="FFFF00"/>
+            </a:solidFill>
+          </a:ln>
+        </p:spPr>
+        <p:style>
+          <a:lnRef idx="2">
+            <a:schemeClr val="accent1">
+              <a:shade val="50000"/>
+            </a:schemeClr>
+          </a:lnRef>
+          <a:fillRef idx="1">
+            <a:schemeClr val="accent1"/>
+          </a:fillRef>
+          <a:effectRef idx="0">
+            <a:schemeClr val="accent1"/>
+          </a:effectRef>
+          <a:fontRef idx="minor">
+            <a:schemeClr val="lt1"/>
+          </a:fontRef>
+        </p:style>
+        <p:txBody>
+          <a:bodyPr rtlCol="0" anchor="ctr"/>
+          <a:lstStyle/>
+          <a:p>
+            <a:pPr algn="ctr"/>
+            <a:endParaRPr lang="zh-CN" altLang="en-US"/>
+          </a:p>
+        </p:txBody>
+      </p:sp>
+      <p:cxnSp>
+        <p:nvCxnSpPr>
+          <p:cNvPr id="6" name="曲线连接符 5"/>
+          <p:cNvCxnSpPr>
+            <a:stCxn id="14" idx="3"/>
+            <a:endCxn id="11" idx="1"/>
+          </p:cNvCxnSpPr>
+          <p:nvPr/>
+        </p:nvCxnSpPr>
+        <p:spPr>
+          <a:xfrm flipV="1">
+            <a:off x="2185936" y="3825044"/>
+            <a:ext cx="2530080" cy="1440160"/>
+          </a:xfrm>
+          <a:prstGeom prst="curvedConnector3">
+            <a:avLst/>
+          </a:prstGeom>
+          <a:ln w="38100">
+            <a:solidFill>
+              <a:srgbClr val="FF0000"/>
+            </a:solidFill>
+            <a:tailEnd type="arrow"/>
+          </a:ln>
+        </p:spPr>
+        <p:style>
+          <a:lnRef idx="1">
+            <a:schemeClr val="accent1"/>
+          </a:lnRef>
+          <a:fillRef idx="0">
+            <a:schemeClr val="accent1"/>
+          </a:fillRef>
+          <a:effectRef idx="0">
+            <a:schemeClr val="accent1"/>
+          </a:effectRef>
+          <a:fontRef idx="minor">
+            <a:schemeClr val="tx1"/>
+          </a:fontRef>
+        </p:style>
+      </p:cxnSp>
     </p:spTree>
     <p:extLst>
       <p:ext uri="{BB962C8B-B14F-4D97-AF65-F5344CB8AC3E}">
@@ -7609,8 +8586,8 @@
         </p:nvSpPr>
         <p:spPr>
           <a:xfrm>
-            <a:off x="4554346" y="3284984"/>
-            <a:ext cx="2681950" cy="360040"/>
+            <a:off x="4508353" y="1916831"/>
+            <a:ext cx="4148199" cy="1413257"/>
           </a:xfrm>
           <a:prstGeom prst="rect">
             <a:avLst/>
@@ -7732,25 +8709,25 @@
           <a:p>
             <a:pPr algn="ctr"/>
             <a:r>
+              <a:rPr lang="zh-CN" altLang="en-US" dirty="0">
+                <a:latin typeface="微软雅黑" pitchFamily="34" charset="-122"/>
+                <a:ea typeface="微软雅黑" pitchFamily="34" charset="-122"/>
+              </a:rPr>
+              <a:t>该</a:t>
+            </a:r>
+            <a:r>
               <a:rPr lang="zh-CN" altLang="en-US" dirty="0" smtClean="0">
                 <a:latin typeface="微软雅黑" pitchFamily="34" charset="-122"/>
                 <a:ea typeface="微软雅黑" pitchFamily="34" charset="-122"/>
               </a:rPr>
-              <a:t>改</a:t>
-            </a:r>
-            <a:r>
-              <a:rPr lang="zh-CN" altLang="en-US" dirty="0">
-                <a:latin typeface="微软雅黑" pitchFamily="34" charset="-122"/>
-                <a:ea typeface="微软雅黑" pitchFamily="34" charset="-122"/>
-              </a:rPr>
-              <a:t>样</a:t>
+              <a:t>样式</a:t>
             </a:r>
             <a:r>
               <a:rPr lang="zh-CN" altLang="en-US" dirty="0" smtClean="0">
                 <a:latin typeface="微软雅黑" pitchFamily="34" charset="-122"/>
                 <a:ea typeface="微软雅黑" pitchFamily="34" charset="-122"/>
               </a:rPr>
-              <a:t>式优先级较低</a:t>
+              <a:t>优先级较低</a:t>
             </a:r>
             <a:endParaRPr lang="zh-CN" altLang="en-US" dirty="0">
               <a:latin typeface="微软雅黑" pitchFamily="34" charset="-122"/>
@@ -7797,6 +8774,45 @@
           </a:p>
         </p:txBody>
       </p:sp>
+      <p:cxnSp>
+        <p:nvCxnSpPr>
+          <p:cNvPr id="11" name="曲线连接符 10"/>
+          <p:cNvCxnSpPr>
+            <a:stCxn id="15" idx="0"/>
+            <a:endCxn id="16" idx="1"/>
+          </p:cNvCxnSpPr>
+          <p:nvPr/>
+        </p:nvCxnSpPr>
+        <p:spPr>
+          <a:xfrm rot="5400000" flipH="1" flipV="1">
+            <a:off x="2427216" y="2427984"/>
+            <a:ext cx="1885660" cy="2276613"/>
+          </a:xfrm>
+          <a:prstGeom prst="curvedConnector2">
+            <a:avLst/>
+          </a:prstGeom>
+          <a:ln w="38100">
+            <a:solidFill>
+              <a:srgbClr val="FF0000"/>
+            </a:solidFill>
+            <a:tailEnd type="arrow"/>
+          </a:ln>
+        </p:spPr>
+        <p:style>
+          <a:lnRef idx="1">
+            <a:schemeClr val="accent1"/>
+          </a:lnRef>
+          <a:fillRef idx="0">
+            <a:schemeClr val="accent1"/>
+          </a:fillRef>
+          <a:effectRef idx="0">
+            <a:schemeClr val="accent1"/>
+          </a:effectRef>
+          <a:fontRef idx="minor">
+            <a:schemeClr val="tx1"/>
+          </a:fontRef>
+        </p:style>
+      </p:cxnSp>
     </p:spTree>
     <p:extLst>
       <p:ext uri="{BB962C8B-B14F-4D97-AF65-F5344CB8AC3E}">
@@ -7915,7 +8931,20 @@
                 <a:latin typeface="微软雅黑" pitchFamily="34" charset="-122"/>
                 <a:ea typeface="微软雅黑" pitchFamily="34" charset="-122"/>
               </a:rPr>
-              <a:t>如果我们把要混合的属性放在复杂选择器的内层，通过外城类或</a:t>
+              <a:t>如果把</a:t>
+            </a:r>
+            <a:r>
+              <a:rPr lang="zh-CN" altLang="en-US" sz="2400" dirty="0" smtClean="0">
+                <a:solidFill>
+                  <a:schemeClr val="tx1">
+                    <a:lumMod val="75000"/>
+                    <a:lumOff val="25000"/>
+                  </a:schemeClr>
+                </a:solidFill>
+                <a:latin typeface="微软雅黑" pitchFamily="34" charset="-122"/>
+                <a:ea typeface="微软雅黑" pitchFamily="34" charset="-122"/>
+              </a:rPr>
+              <a:t>要混合的属性放在复杂选择器的内层，通过外城类或</a:t>
             </a:r>
             <a:r>
               <a:rPr lang="en-US" altLang="zh-CN" sz="2400" dirty="0" smtClean="0">
@@ -7941,7 +8970,98 @@
                 <a:latin typeface="微软雅黑" pitchFamily="34" charset="-122"/>
                 <a:ea typeface="微软雅黑" pitchFamily="34" charset="-122"/>
               </a:rPr>
-              <a:t>名称使用，就形成明明空间，这样可以大大降低与其他混合的冲突</a:t>
+              <a:t>名称使用，就</a:t>
+            </a:r>
+            <a:r>
+              <a:rPr lang="zh-CN" altLang="en-US" sz="2400" dirty="0" smtClean="0">
+                <a:solidFill>
+                  <a:schemeClr val="tx1">
+                    <a:lumMod val="75000"/>
+                    <a:lumOff val="25000"/>
+                  </a:schemeClr>
+                </a:solidFill>
+                <a:latin typeface="微软雅黑" pitchFamily="34" charset="-122"/>
+                <a:ea typeface="微软雅黑" pitchFamily="34" charset="-122"/>
+              </a:rPr>
+              <a:t>形成</a:t>
+            </a:r>
+            <a:r>
+              <a:rPr lang="zh-CN" altLang="en-US" sz="2400" b="1" dirty="0" smtClean="0">
+                <a:solidFill>
+                  <a:schemeClr val="tx1">
+                    <a:lumMod val="75000"/>
+                    <a:lumOff val="25000"/>
+                  </a:schemeClr>
+                </a:solidFill>
+                <a:latin typeface="微软雅黑" pitchFamily="34" charset="-122"/>
+                <a:ea typeface="微软雅黑" pitchFamily="34" charset="-122"/>
+              </a:rPr>
+              <a:t>命明</a:t>
+            </a:r>
+            <a:r>
+              <a:rPr lang="zh-CN" altLang="en-US" sz="2400" b="1" dirty="0" smtClean="0">
+                <a:solidFill>
+                  <a:schemeClr val="tx1">
+                    <a:lumMod val="75000"/>
+                    <a:lumOff val="25000"/>
+                  </a:schemeClr>
+                </a:solidFill>
+                <a:latin typeface="微软雅黑" pitchFamily="34" charset="-122"/>
+                <a:ea typeface="微软雅黑" pitchFamily="34" charset="-122"/>
+              </a:rPr>
+              <a:t>空间</a:t>
+            </a:r>
+            <a:r>
+              <a:rPr lang="zh-CN" altLang="en-US" sz="2400" dirty="0" smtClean="0">
+                <a:solidFill>
+                  <a:schemeClr val="tx1">
+                    <a:lumMod val="75000"/>
+                    <a:lumOff val="25000"/>
+                  </a:schemeClr>
+                </a:solidFill>
+                <a:latin typeface="微软雅黑" pitchFamily="34" charset="-122"/>
+                <a:ea typeface="微软雅黑" pitchFamily="34" charset="-122"/>
+              </a:rPr>
+              <a:t>，这样可以大大</a:t>
+            </a:r>
+            <a:r>
+              <a:rPr lang="zh-CN" altLang="en-US" sz="2400" b="1" dirty="0" smtClean="0">
+                <a:solidFill>
+                  <a:schemeClr val="tx1">
+                    <a:lumMod val="75000"/>
+                    <a:lumOff val="25000"/>
+                  </a:schemeClr>
+                </a:solidFill>
+                <a:latin typeface="微软雅黑" pitchFamily="34" charset="-122"/>
+                <a:ea typeface="微软雅黑" pitchFamily="34" charset="-122"/>
+              </a:rPr>
+              <a:t>降低</a:t>
+            </a:r>
+            <a:r>
+              <a:rPr lang="zh-CN" altLang="en-US" sz="2400" dirty="0" smtClean="0">
+                <a:solidFill>
+                  <a:schemeClr val="tx1">
+                    <a:lumMod val="75000"/>
+                    <a:lumOff val="25000"/>
+                  </a:schemeClr>
+                </a:solidFill>
+                <a:latin typeface="微软雅黑" pitchFamily="34" charset="-122"/>
+                <a:ea typeface="微软雅黑" pitchFamily="34" charset="-122"/>
+              </a:rPr>
+              <a:t>与其他混合的</a:t>
+            </a:r>
+            <a:r>
+              <a:rPr lang="zh-CN" altLang="en-US" sz="2400" b="1" dirty="0" smtClean="0">
+                <a:solidFill>
+                  <a:schemeClr val="tx1">
+                    <a:lumMod val="75000"/>
+                    <a:lumOff val="25000"/>
+                  </a:schemeClr>
+                </a:solidFill>
+                <a:latin typeface="微软雅黑" pitchFamily="34" charset="-122"/>
+                <a:ea typeface="微软雅黑" pitchFamily="34" charset="-122"/>
+              </a:rPr>
+              <a:t>冲突</a:t>
             </a:r>
             <a:r>
               <a:rPr lang="en-US" altLang="zh-CN" sz="2400" dirty="0" smtClean="0">
@@ -7967,7 +9087,33 @@
                 <a:latin typeface="微软雅黑" pitchFamily="34" charset="-122"/>
                 <a:ea typeface="微软雅黑" pitchFamily="34" charset="-122"/>
               </a:rPr>
-              <a:t>同时也便于管理众多混合</a:t>
+              <a:t>同时也</a:t>
+            </a:r>
+            <a:r>
+              <a:rPr lang="zh-CN" altLang="en-US" sz="2400" b="1" dirty="0" smtClean="0">
+                <a:solidFill>
+                  <a:schemeClr val="tx1">
+                    <a:lumMod val="75000"/>
+                    <a:lumOff val="25000"/>
+                  </a:schemeClr>
+                </a:solidFill>
+                <a:latin typeface="微软雅黑" pitchFamily="34" charset="-122"/>
+                <a:ea typeface="微软雅黑" pitchFamily="34" charset="-122"/>
+              </a:rPr>
+              <a:t>便于管理</a:t>
+            </a:r>
+            <a:r>
+              <a:rPr lang="zh-CN" altLang="en-US" sz="2400" dirty="0" smtClean="0">
+                <a:solidFill>
+                  <a:schemeClr val="tx1">
+                    <a:lumMod val="75000"/>
+                    <a:lumOff val="25000"/>
+                  </a:schemeClr>
+                </a:solidFill>
+                <a:latin typeface="微软雅黑" pitchFamily="34" charset="-122"/>
+                <a:ea typeface="微软雅黑" pitchFamily="34" charset="-122"/>
+              </a:rPr>
+              <a:t>众多混合</a:t>
             </a:r>
             <a:r>
               <a:rPr lang="en-US" altLang="zh-CN" sz="2400" dirty="0" smtClean="0">
@@ -7990,6 +9136,19 @@
               </a:lnSpc>
             </a:pPr>
             <a:r>
+              <a:rPr lang="en-US" altLang="zh-CN" sz="2400" b="1" dirty="0" smtClean="0">
+                <a:solidFill>
+                  <a:schemeClr val="tx1">
+                    <a:lumMod val="75000"/>
+                    <a:lumOff val="25000"/>
+                  </a:schemeClr>
+                </a:solidFill>
+                <a:latin typeface="微软雅黑" pitchFamily="34" charset="-122"/>
+                <a:ea typeface="微软雅黑" pitchFamily="34" charset="-122"/>
+              </a:rPr>
+              <a:t>#outer()</a:t>
+            </a:r>
+            <a:r>
               <a:rPr lang="en-US" altLang="zh-CN" sz="2400" dirty="0" smtClean="0">
                 <a:solidFill>
                   <a:schemeClr val="tx1">
@@ -8000,7 +9159,7 @@
                 <a:latin typeface="微软雅黑" pitchFamily="34" charset="-122"/>
                 <a:ea typeface="微软雅黑" pitchFamily="34" charset="-122"/>
               </a:rPr>
-              <a:t>#outer(){</a:t>
+              <a:t>{</a:t>
             </a:r>
           </a:p>
           <a:p>
@@ -8023,6 +9182,19 @@
               <a:t>	</a:t>
             </a:r>
             <a:r>
+              <a:rPr lang="en-US" altLang="zh-CN" sz="2400" b="1" dirty="0" smtClean="0">
+                <a:solidFill>
+                  <a:schemeClr val="tx1">
+                    <a:lumMod val="75000"/>
+                    <a:lumOff val="25000"/>
+                  </a:schemeClr>
+                </a:solidFill>
+                <a:latin typeface="微软雅黑" pitchFamily="34" charset="-122"/>
+                <a:ea typeface="微软雅黑" pitchFamily="34" charset="-122"/>
+              </a:rPr>
+              <a:t>.inner</a:t>
+            </a:r>
+            <a:r>
               <a:rPr lang="en-US" altLang="zh-CN" sz="2400" dirty="0" smtClean="0">
                 <a:solidFill>
                   <a:schemeClr val="tx1">
@@ -8033,7 +9205,7 @@
                 <a:latin typeface="微软雅黑" pitchFamily="34" charset="-122"/>
                 <a:ea typeface="微软雅黑" pitchFamily="34" charset="-122"/>
               </a:rPr>
-              <a:t>.inner{	</a:t>
+              <a:t>{	</a:t>
             </a:r>
             <a:r>
               <a:rPr lang="en-US" altLang="zh-CN" sz="2400" dirty="0" err="1" smtClean="0">
@@ -8107,6 +9279,19 @@
               <a:t>使用内部属性可以用</a:t>
             </a:r>
             <a:r>
+              <a:rPr lang="en-US" altLang="zh-CN" sz="2400" b="1" dirty="0" smtClean="0">
+                <a:solidFill>
+                  <a:schemeClr val="tx1">
+                    <a:lumMod val="75000"/>
+                    <a:lumOff val="25000"/>
+                  </a:schemeClr>
+                </a:solidFill>
+                <a:latin typeface="微软雅黑" pitchFamily="34" charset="-122"/>
+                <a:ea typeface="微软雅黑" pitchFamily="34" charset="-122"/>
+              </a:rPr>
+              <a:t>&gt;</a:t>
+            </a:r>
+            <a:r>
               <a:rPr lang="en-US" altLang="zh-CN" sz="2400" dirty="0" smtClean="0">
                 <a:solidFill>
                   <a:schemeClr val="tx1">
@@ -8117,7 +9302,7 @@
                 <a:latin typeface="微软雅黑" pitchFamily="34" charset="-122"/>
                 <a:ea typeface="微软雅黑" pitchFamily="34" charset="-122"/>
               </a:rPr>
-              <a:t>&gt; </a:t>
+              <a:t> </a:t>
             </a:r>
             <a:r>
               <a:rPr lang="zh-CN" altLang="en-US" sz="2400" dirty="0" smtClean="0">
@@ -8130,7 +9315,33 @@
                 <a:latin typeface="微软雅黑" pitchFamily="34" charset="-122"/>
                 <a:ea typeface="微软雅黑" pitchFamily="34" charset="-122"/>
               </a:rPr>
-              <a:t>或者空格，以下</a:t>
+              <a:t>或者</a:t>
+            </a:r>
+            <a:r>
+              <a:rPr lang="zh-CN" altLang="en-US" sz="2400" b="1" dirty="0" smtClean="0">
+                <a:solidFill>
+                  <a:schemeClr val="tx1">
+                    <a:lumMod val="75000"/>
+                    <a:lumOff val="25000"/>
+                  </a:schemeClr>
+                </a:solidFill>
+                <a:latin typeface="微软雅黑" pitchFamily="34" charset="-122"/>
+                <a:ea typeface="微软雅黑" pitchFamily="34" charset="-122"/>
+              </a:rPr>
+              <a:t>空格</a:t>
+            </a:r>
+            <a:r>
+              <a:rPr lang="zh-CN" altLang="en-US" sz="2400" dirty="0" smtClean="0">
+                <a:solidFill>
+                  <a:schemeClr val="tx1">
+                    <a:lumMod val="75000"/>
+                    <a:lumOff val="25000"/>
+                  </a:schemeClr>
+                </a:solidFill>
+                <a:latin typeface="微软雅黑" pitchFamily="34" charset="-122"/>
+                <a:ea typeface="微软雅黑" pitchFamily="34" charset="-122"/>
+              </a:rPr>
+              <a:t>，以下</a:t>
             </a:r>
             <a:r>
               <a:rPr lang="en-US" altLang="zh-CN" sz="2400" dirty="0" smtClean="0">
@@ -8176,7 +9387,7 @@
               </a:lnSpc>
             </a:pPr>
             <a:r>
-              <a:rPr lang="en-US" altLang="zh-CN" sz="2400" dirty="0" smtClean="0">
+              <a:rPr lang="en-US" altLang="zh-CN" sz="2400" b="1" dirty="0" smtClean="0">
                 <a:solidFill>
                   <a:schemeClr val="tx1">
                     <a:lumMod val="75000"/>
@@ -8196,7 +9407,7 @@
               </a:lnSpc>
             </a:pPr>
             <a:r>
-              <a:rPr lang="en-US" altLang="zh-CN" sz="2400" dirty="0" smtClean="0">
+              <a:rPr lang="en-US" altLang="zh-CN" sz="2400" b="1" dirty="0" smtClean="0">
                 <a:solidFill>
                   <a:schemeClr val="tx1">
                     <a:lumMod val="75000"/>
@@ -8209,7 +9420,7 @@
               <a:t>#outer   .inner()</a:t>
             </a:r>
             <a:r>
-              <a:rPr lang="zh-CN" altLang="en-US" sz="2400" dirty="0" smtClean="0">
+              <a:rPr lang="zh-CN" altLang="en-US" sz="2400" b="1" dirty="0" smtClean="0">
                 <a:solidFill>
                   <a:schemeClr val="tx1">
                     <a:lumMod val="75000"/>
@@ -8221,7 +9432,7 @@
               </a:rPr>
               <a:t>；</a:t>
             </a:r>
-            <a:endParaRPr lang="en-US" altLang="zh-CN" sz="2400" dirty="0" smtClean="0">
+            <a:endParaRPr lang="en-US" altLang="zh-CN" sz="2400" b="1" dirty="0" smtClean="0">
               <a:solidFill>
                 <a:schemeClr val="tx1">
                   <a:lumMod val="75000"/>
@@ -8239,7 +9450,7 @@
               </a:lnSpc>
             </a:pPr>
             <a:r>
-              <a:rPr lang="en-US" altLang="zh-CN" sz="2400" dirty="0" smtClean="0">
+              <a:rPr lang="en-US" altLang="zh-CN" sz="2400" b="1" dirty="0" smtClean="0">
                 <a:solidFill>
                   <a:schemeClr val="tx1">
                     <a:lumMod val="75000"/>
@@ -8252,7 +9463,7 @@
               <a:t>#</a:t>
             </a:r>
             <a:r>
-              <a:rPr lang="en-US" altLang="zh-CN" sz="2400" dirty="0" err="1" smtClean="0">
+              <a:rPr lang="en-US" altLang="zh-CN" sz="2400" b="1" dirty="0" err="1" smtClean="0">
                 <a:solidFill>
                   <a:schemeClr val="tx1">
                     <a:lumMod val="75000"/>
@@ -8265,7 +9476,7 @@
               <a:t>outer.inner</a:t>
             </a:r>
             <a:r>
-              <a:rPr lang="en-US" altLang="zh-CN" sz="2400" dirty="0" smtClean="0">
+              <a:rPr lang="en-US" altLang="zh-CN" sz="2400" b="1" dirty="0" smtClean="0">
                 <a:solidFill>
                   <a:schemeClr val="tx1">
                     <a:lumMod val="75000"/>
@@ -8277,7 +9488,7 @@
               </a:rPr>
               <a:t>();  </a:t>
             </a:r>
-            <a:endParaRPr lang="zh-CN" altLang="en-US" sz="2400" dirty="0">
+            <a:endParaRPr lang="zh-CN" altLang="en-US" sz="2400" b="1" dirty="0">
               <a:solidFill>
                 <a:schemeClr val="tx1">
                   <a:lumMod val="75000"/>
@@ -8499,8 +9710,8 @@
         </p:nvSpPr>
         <p:spPr>
           <a:xfrm>
-            <a:off x="922225" y="836712"/>
-            <a:ext cx="1417527" cy="360040"/>
+            <a:off x="1138249" y="836712"/>
+            <a:ext cx="913471" cy="360040"/>
           </a:xfrm>
           <a:prstGeom prst="rect">
             <a:avLst/>
@@ -8545,8 +9756,8 @@
         </p:nvSpPr>
         <p:spPr>
           <a:xfrm>
-            <a:off x="1115780" y="2547074"/>
-            <a:ext cx="1417527" cy="360040"/>
+            <a:off x="1187788" y="2492896"/>
+            <a:ext cx="935940" cy="360040"/>
           </a:xfrm>
           <a:prstGeom prst="rect">
             <a:avLst/>
@@ -8592,7 +9803,7 @@
         <p:spPr>
           <a:xfrm>
             <a:off x="1092160" y="5229200"/>
-            <a:ext cx="2327712" cy="720080"/>
+            <a:ext cx="2327712" cy="360040"/>
           </a:xfrm>
           <a:prstGeom prst="rect">
             <a:avLst/>
@@ -8629,6 +9840,222 @@
           </a:p>
         </p:txBody>
       </p:sp>
+      <p:sp>
+        <p:nvSpPr>
+          <p:cNvPr id="9" name="矩形 8"/>
+          <p:cNvSpPr/>
+          <p:nvPr/>
+        </p:nvSpPr>
+        <p:spPr>
+          <a:xfrm>
+            <a:off x="1092160" y="5589240"/>
+            <a:ext cx="2327712" cy="360040"/>
+          </a:xfrm>
+          <a:prstGeom prst="rect">
+            <a:avLst/>
+          </a:prstGeom>
+          <a:noFill/>
+          <a:ln w="38100">
+            <a:solidFill>
+              <a:srgbClr val="FFFF00"/>
+            </a:solidFill>
+          </a:ln>
+        </p:spPr>
+        <p:style>
+          <a:lnRef idx="2">
+            <a:schemeClr val="accent1">
+              <a:shade val="50000"/>
+            </a:schemeClr>
+          </a:lnRef>
+          <a:fillRef idx="1">
+            <a:schemeClr val="accent1"/>
+          </a:fillRef>
+          <a:effectRef idx="0">
+            <a:schemeClr val="accent1"/>
+          </a:effectRef>
+          <a:fontRef idx="minor">
+            <a:schemeClr val="lt1"/>
+          </a:fontRef>
+        </p:style>
+        <p:txBody>
+          <a:bodyPr rtlCol="0" anchor="ctr"/>
+          <a:lstStyle/>
+          <a:p>
+            <a:pPr algn="ctr"/>
+            <a:endParaRPr lang="zh-CN" altLang="en-US"/>
+          </a:p>
+        </p:txBody>
+      </p:sp>
+      <p:sp>
+        <p:nvSpPr>
+          <p:cNvPr id="10" name="矩形 9"/>
+          <p:cNvSpPr/>
+          <p:nvPr/>
+        </p:nvSpPr>
+        <p:spPr>
+          <a:xfrm>
+            <a:off x="4788024" y="1819883"/>
+            <a:ext cx="3115110" cy="1321086"/>
+          </a:xfrm>
+          <a:prstGeom prst="rect">
+            <a:avLst/>
+          </a:prstGeom>
+          <a:noFill/>
+          <a:ln w="38100">
+            <a:solidFill>
+              <a:srgbClr val="FFFF00"/>
+            </a:solidFill>
+          </a:ln>
+        </p:spPr>
+        <p:style>
+          <a:lnRef idx="2">
+            <a:schemeClr val="accent1">
+              <a:shade val="50000"/>
+            </a:schemeClr>
+          </a:lnRef>
+          <a:fillRef idx="1">
+            <a:schemeClr val="accent1"/>
+          </a:fillRef>
+          <a:effectRef idx="0">
+            <a:schemeClr val="accent1"/>
+          </a:effectRef>
+          <a:fontRef idx="minor">
+            <a:schemeClr val="lt1"/>
+          </a:fontRef>
+        </p:style>
+        <p:txBody>
+          <a:bodyPr rtlCol="0" anchor="ctr"/>
+          <a:lstStyle/>
+          <a:p>
+            <a:pPr algn="ctr"/>
+            <a:endParaRPr lang="zh-CN" altLang="en-US"/>
+          </a:p>
+        </p:txBody>
+      </p:sp>
+      <p:sp>
+        <p:nvSpPr>
+          <p:cNvPr id="11" name="矩形 10"/>
+          <p:cNvSpPr/>
+          <p:nvPr/>
+        </p:nvSpPr>
+        <p:spPr>
+          <a:xfrm>
+            <a:off x="4788024" y="3158910"/>
+            <a:ext cx="3115110" cy="1747504"/>
+          </a:xfrm>
+          <a:prstGeom prst="rect">
+            <a:avLst/>
+          </a:prstGeom>
+          <a:noFill/>
+          <a:ln w="38100">
+            <a:solidFill>
+              <a:srgbClr val="FFFF00"/>
+            </a:solidFill>
+          </a:ln>
+        </p:spPr>
+        <p:style>
+          <a:lnRef idx="2">
+            <a:schemeClr val="accent1">
+              <a:shade val="50000"/>
+            </a:schemeClr>
+          </a:lnRef>
+          <a:fillRef idx="1">
+            <a:schemeClr val="accent1"/>
+          </a:fillRef>
+          <a:effectRef idx="0">
+            <a:schemeClr val="accent1"/>
+          </a:effectRef>
+          <a:fontRef idx="minor">
+            <a:schemeClr val="lt1"/>
+          </a:fontRef>
+        </p:style>
+        <p:txBody>
+          <a:bodyPr rtlCol="0" anchor="ctr"/>
+          <a:lstStyle/>
+          <a:p>
+            <a:pPr algn="ctr"/>
+            <a:endParaRPr lang="zh-CN" altLang="en-US"/>
+          </a:p>
+        </p:txBody>
+      </p:sp>
+      <p:cxnSp>
+        <p:nvCxnSpPr>
+          <p:cNvPr id="12" name="曲线连接符 11"/>
+          <p:cNvCxnSpPr>
+            <a:stCxn id="8" idx="0"/>
+            <a:endCxn id="10" idx="1"/>
+          </p:cNvCxnSpPr>
+          <p:nvPr/>
+        </p:nvCxnSpPr>
+        <p:spPr>
+          <a:xfrm rot="5400000" flipH="1" flipV="1">
+            <a:off x="2147633" y="2588809"/>
+            <a:ext cx="2748774" cy="2532008"/>
+          </a:xfrm>
+          <a:prstGeom prst="curvedConnector2">
+            <a:avLst/>
+          </a:prstGeom>
+          <a:ln w="38100">
+            <a:solidFill>
+              <a:srgbClr val="FF0000"/>
+            </a:solidFill>
+            <a:tailEnd type="arrow"/>
+          </a:ln>
+        </p:spPr>
+        <p:style>
+          <a:lnRef idx="1">
+            <a:schemeClr val="accent1"/>
+          </a:lnRef>
+          <a:fillRef idx="0">
+            <a:schemeClr val="accent1"/>
+          </a:fillRef>
+          <a:effectRef idx="0">
+            <a:schemeClr val="accent1"/>
+          </a:effectRef>
+          <a:fontRef idx="minor">
+            <a:schemeClr val="tx1"/>
+          </a:fontRef>
+        </p:style>
+      </p:cxnSp>
+      <p:cxnSp>
+        <p:nvCxnSpPr>
+          <p:cNvPr id="16" name="曲线连接符 15"/>
+          <p:cNvCxnSpPr>
+            <a:stCxn id="9" idx="3"/>
+            <a:endCxn id="3" idx="2"/>
+          </p:cNvCxnSpPr>
+          <p:nvPr/>
+        </p:nvCxnSpPr>
+        <p:spPr>
+          <a:xfrm flipV="1">
+            <a:off x="3419872" y="4906414"/>
+            <a:ext cx="2925707" cy="862846"/>
+          </a:xfrm>
+          <a:prstGeom prst="curvedConnector2">
+            <a:avLst/>
+          </a:prstGeom>
+          <a:ln w="38100">
+            <a:solidFill>
+              <a:srgbClr val="FF0000"/>
+            </a:solidFill>
+            <a:tailEnd type="arrow"/>
+          </a:ln>
+        </p:spPr>
+        <p:style>
+          <a:lnRef idx="1">
+            <a:schemeClr val="accent1"/>
+          </a:lnRef>
+          <a:fillRef idx="0">
+            <a:schemeClr val="accent1"/>
+          </a:fillRef>
+          <a:effectRef idx="0">
+            <a:schemeClr val="accent1"/>
+          </a:effectRef>
+          <a:fontRef idx="minor">
+            <a:schemeClr val="tx1"/>
+          </a:fontRef>
+        </p:style>
+      </p:cxnSp>
     </p:spTree>
     <p:extLst>
       <p:ext uri="{BB962C8B-B14F-4D97-AF65-F5344CB8AC3E}">
@@ -8675,7 +10102,7 @@
         <p:spPr>
           <a:xfrm>
             <a:off x="684000" y="116632"/>
-            <a:ext cx="7776000" cy="6555641"/>
+            <a:ext cx="7776000" cy="4616648"/>
           </a:xfrm>
           <a:prstGeom prst="rect">
             <a:avLst/>
@@ -8737,20 +10164,46 @@
               </a:lnSpc>
             </a:pPr>
             <a:r>
-              <a:rPr lang="zh-CN" altLang="en-US" sz="2800" dirty="0" smtClean="0">
-                <a:solidFill>
-                  <a:schemeClr val="tx1">
-                    <a:lumMod val="75000"/>
-                    <a:lumOff val="25000"/>
-                  </a:schemeClr>
-                </a:solidFill>
-                <a:latin typeface="微软雅黑" pitchFamily="34" charset="-122"/>
-                <a:ea typeface="微软雅黑" pitchFamily="34" charset="-122"/>
-              </a:rPr>
-              <a:t>可以给混合样式内部传递参数，从而增加混合的灵活性，提高复用率</a:t>
-            </a:r>
-            <a:r>
-              <a:rPr lang="en-US" altLang="zh-CN" sz="2800" dirty="0" smtClean="0">
+              <a:rPr lang="zh-CN" altLang="en-US" sz="2400" dirty="0" smtClean="0">
+                <a:solidFill>
+                  <a:schemeClr val="tx1">
+                    <a:lumMod val="75000"/>
+                    <a:lumOff val="25000"/>
+                  </a:schemeClr>
+                </a:solidFill>
+                <a:latin typeface="微软雅黑" pitchFamily="34" charset="-122"/>
+                <a:ea typeface="微软雅黑" pitchFamily="34" charset="-122"/>
+              </a:rPr>
+              <a:t>可以给混合样式内部传递参数</a:t>
+            </a:r>
+            <a:r>
+              <a:rPr lang="zh-CN" altLang="en-US" sz="2400" dirty="0" smtClean="0">
+                <a:solidFill>
+                  <a:schemeClr val="tx1">
+                    <a:lumMod val="75000"/>
+                    <a:lumOff val="25000"/>
+                  </a:schemeClr>
+                </a:solidFill>
+                <a:latin typeface="微软雅黑" pitchFamily="34" charset="-122"/>
+                <a:ea typeface="微软雅黑" pitchFamily="34" charset="-122"/>
+              </a:rPr>
+              <a:t>，增加</a:t>
+            </a:r>
+            <a:r>
+              <a:rPr lang="zh-CN" altLang="en-US" sz="2400" dirty="0" smtClean="0">
+                <a:solidFill>
+                  <a:schemeClr val="tx1">
+                    <a:lumMod val="75000"/>
+                    <a:lumOff val="25000"/>
+                  </a:schemeClr>
+                </a:solidFill>
+                <a:latin typeface="微软雅黑" pitchFamily="34" charset="-122"/>
+                <a:ea typeface="微软雅黑" pitchFamily="34" charset="-122"/>
+              </a:rPr>
+              <a:t>混合的灵活性，提高复用率</a:t>
+            </a:r>
+            <a:r>
+              <a:rPr lang="en-US" altLang="zh-CN" sz="2400" dirty="0" smtClean="0">
                 <a:solidFill>
                   <a:schemeClr val="tx1">
                     <a:lumMod val="75000"/>
@@ -8763,20 +10216,85 @@
               <a:t>.</a:t>
             </a:r>
             <a:r>
-              <a:rPr lang="zh-CN" altLang="en-US" sz="2800" dirty="0" smtClean="0">
-                <a:solidFill>
-                  <a:schemeClr val="tx1">
-                    <a:lumMod val="75000"/>
-                    <a:lumOff val="25000"/>
-                  </a:schemeClr>
-                </a:solidFill>
-                <a:latin typeface="微软雅黑" pitchFamily="34" charset="-122"/>
-                <a:ea typeface="微软雅黑" pitchFamily="34" charset="-122"/>
-              </a:rPr>
-              <a:t>相同的样式，不同的参数组合，形成千变万化的效果</a:t>
-            </a:r>
-            <a:r>
-              <a:rPr lang="en-US" altLang="zh-CN" sz="2800" dirty="0" smtClean="0">
+              <a:rPr lang="zh-CN" altLang="en-US" sz="2400" dirty="0" smtClean="0">
+                <a:solidFill>
+                  <a:schemeClr val="tx1">
+                    <a:lumMod val="75000"/>
+                    <a:lumOff val="25000"/>
+                  </a:schemeClr>
+                </a:solidFill>
+                <a:latin typeface="微软雅黑" pitchFamily="34" charset="-122"/>
+                <a:ea typeface="微软雅黑" pitchFamily="34" charset="-122"/>
+              </a:rPr>
+              <a:t>相同</a:t>
+            </a:r>
+            <a:r>
+              <a:rPr lang="zh-CN" altLang="en-US" sz="2400" dirty="0" smtClean="0">
+                <a:solidFill>
+                  <a:schemeClr val="tx1">
+                    <a:lumMod val="75000"/>
+                    <a:lumOff val="25000"/>
+                  </a:schemeClr>
+                </a:solidFill>
+                <a:latin typeface="微软雅黑" pitchFamily="34" charset="-122"/>
+                <a:ea typeface="微软雅黑" pitchFamily="34" charset="-122"/>
+              </a:rPr>
+              <a:t>的</a:t>
+            </a:r>
+            <a:r>
+              <a:rPr lang="zh-CN" altLang="en-US" sz="2400" dirty="0" smtClean="0">
+                <a:solidFill>
+                  <a:schemeClr val="tx1">
+                    <a:lumMod val="75000"/>
+                    <a:lumOff val="25000"/>
+                  </a:schemeClr>
+                </a:solidFill>
+                <a:latin typeface="微软雅黑" pitchFamily="34" charset="-122"/>
+                <a:ea typeface="微软雅黑" pitchFamily="34" charset="-122"/>
+              </a:rPr>
+              <a:t>混合</a:t>
+            </a:r>
+            <a:r>
+              <a:rPr lang="en-US" altLang="zh-CN" sz="2400" dirty="0" smtClean="0">
+                <a:solidFill>
+                  <a:schemeClr val="tx1">
+                    <a:lumMod val="75000"/>
+                    <a:lumOff val="25000"/>
+                  </a:schemeClr>
+                </a:solidFill>
+                <a:latin typeface="微软雅黑" pitchFamily="34" charset="-122"/>
+                <a:ea typeface="微软雅黑" pitchFamily="34" charset="-122"/>
+              </a:rPr>
+              <a:t>, </a:t>
+            </a:r>
+            <a:r>
+              <a:rPr lang="zh-CN" altLang="en-US" sz="2400" dirty="0" smtClean="0">
+                <a:solidFill>
+                  <a:schemeClr val="tx1">
+                    <a:lumMod val="75000"/>
+                    <a:lumOff val="25000"/>
+                  </a:schemeClr>
+                </a:solidFill>
+                <a:latin typeface="微软雅黑" pitchFamily="34" charset="-122"/>
+                <a:ea typeface="微软雅黑" pitchFamily="34" charset="-122"/>
+              </a:rPr>
+              <a:t>不同</a:t>
+            </a:r>
+            <a:r>
+              <a:rPr lang="zh-CN" altLang="en-US" sz="2400" dirty="0" smtClean="0">
+                <a:solidFill>
+                  <a:schemeClr val="tx1">
+                    <a:lumMod val="75000"/>
+                    <a:lumOff val="25000"/>
+                  </a:schemeClr>
+                </a:solidFill>
+                <a:latin typeface="微软雅黑" pitchFamily="34" charset="-122"/>
+                <a:ea typeface="微软雅黑" pitchFamily="34" charset="-122"/>
+              </a:rPr>
+              <a:t>的参数组合，形成千变万化的效果</a:t>
+            </a:r>
+            <a:r>
+              <a:rPr lang="en-US" altLang="zh-CN" sz="2400" dirty="0" smtClean="0">
                 <a:solidFill>
                   <a:schemeClr val="tx1">
                     <a:lumMod val="75000"/>
@@ -8789,20 +10307,46 @@
               <a:t>. </a:t>
             </a:r>
             <a:r>
-              <a:rPr lang="zh-CN" altLang="en-US" sz="2800" dirty="0" smtClean="0">
-                <a:solidFill>
-                  <a:schemeClr val="tx1">
-                    <a:lumMod val="75000"/>
-                    <a:lumOff val="25000"/>
-                  </a:schemeClr>
-                </a:solidFill>
-                <a:latin typeface="微软雅黑" pitchFamily="34" charset="-122"/>
-                <a:ea typeface="微软雅黑" pitchFamily="34" charset="-122"/>
-              </a:rPr>
-              <a:t>另外还可以为参数设置</a:t>
-            </a:r>
-            <a:r>
-              <a:rPr lang="zh-CN" altLang="en-US" sz="2800" b="1" dirty="0" smtClean="0">
+              <a:rPr lang="zh-CN" altLang="en-US" sz="2400" dirty="0" smtClean="0">
+                <a:solidFill>
+                  <a:schemeClr val="tx1">
+                    <a:lumMod val="75000"/>
+                    <a:lumOff val="25000"/>
+                  </a:schemeClr>
+                </a:solidFill>
+                <a:latin typeface="微软雅黑" pitchFamily="34" charset="-122"/>
+                <a:ea typeface="微软雅黑" pitchFamily="34" charset="-122"/>
+              </a:rPr>
+              <a:t>另外还</a:t>
+            </a:r>
+            <a:r>
+              <a:rPr lang="zh-CN" altLang="en-US" sz="2400" dirty="0" smtClean="0">
+                <a:solidFill>
+                  <a:schemeClr val="tx1">
+                    <a:lumMod val="75000"/>
+                    <a:lumOff val="25000"/>
+                  </a:schemeClr>
+                </a:solidFill>
+                <a:latin typeface="微软雅黑" pitchFamily="34" charset="-122"/>
+                <a:ea typeface="微软雅黑" pitchFamily="34" charset="-122"/>
+              </a:rPr>
+              <a:t>可为</a:t>
+            </a:r>
+            <a:r>
+              <a:rPr lang="zh-CN" altLang="en-US" sz="2400" dirty="0" smtClean="0">
+                <a:solidFill>
+                  <a:schemeClr val="tx1">
+                    <a:lumMod val="75000"/>
+                    <a:lumOff val="25000"/>
+                  </a:schemeClr>
+                </a:solidFill>
+                <a:latin typeface="微软雅黑" pitchFamily="34" charset="-122"/>
+                <a:ea typeface="微软雅黑" pitchFamily="34" charset="-122"/>
+              </a:rPr>
+              <a:t>参数设置</a:t>
+            </a:r>
+            <a:r>
+              <a:rPr lang="zh-CN" altLang="en-US" sz="2400" b="1" dirty="0" smtClean="0">
                 <a:solidFill>
                   <a:schemeClr val="tx1">
                     <a:lumMod val="75000"/>
@@ -8815,20 +10359,46 @@
               <a:t>默认参数</a:t>
             </a:r>
             <a:r>
-              <a:rPr lang="zh-CN" altLang="en-US" sz="2800" dirty="0" smtClean="0">
-                <a:solidFill>
-                  <a:schemeClr val="tx1">
-                    <a:lumMod val="75000"/>
-                    <a:lumOff val="25000"/>
-                  </a:schemeClr>
-                </a:solidFill>
-                <a:latin typeface="微软雅黑" pitchFamily="34" charset="-122"/>
-                <a:ea typeface="微软雅黑" pitchFamily="34" charset="-122"/>
-              </a:rPr>
-              <a:t>，也可以通过分号分隔，使用</a:t>
-            </a:r>
-            <a:r>
-              <a:rPr lang="zh-CN" altLang="en-US" sz="2800" b="1" dirty="0" smtClean="0">
+              <a:rPr lang="zh-CN" altLang="en-US" sz="2400" dirty="0" smtClean="0">
+                <a:solidFill>
+                  <a:schemeClr val="tx1">
+                    <a:lumMod val="75000"/>
+                    <a:lumOff val="25000"/>
+                  </a:schemeClr>
+                </a:solidFill>
+                <a:latin typeface="微软雅黑" pitchFamily="34" charset="-122"/>
+                <a:ea typeface="微软雅黑" pitchFamily="34" charset="-122"/>
+              </a:rPr>
+              <a:t>，也</a:t>
+            </a:r>
+            <a:r>
+              <a:rPr lang="zh-CN" altLang="en-US" sz="2400" dirty="0" smtClean="0">
+                <a:solidFill>
+                  <a:schemeClr val="tx1">
+                    <a:lumMod val="75000"/>
+                    <a:lumOff val="25000"/>
+                  </a:schemeClr>
+                </a:solidFill>
+                <a:latin typeface="微软雅黑" pitchFamily="34" charset="-122"/>
+                <a:ea typeface="微软雅黑" pitchFamily="34" charset="-122"/>
+              </a:rPr>
+              <a:t>可通过</a:t>
+            </a:r>
+            <a:r>
+              <a:rPr lang="zh-CN" altLang="en-US" sz="2400" dirty="0" smtClean="0">
+                <a:solidFill>
+                  <a:schemeClr val="tx1">
+                    <a:lumMod val="75000"/>
+                    <a:lumOff val="25000"/>
+                  </a:schemeClr>
+                </a:solidFill>
+                <a:latin typeface="微软雅黑" pitchFamily="34" charset="-122"/>
+                <a:ea typeface="微软雅黑" pitchFamily="34" charset="-122"/>
+              </a:rPr>
+              <a:t>分号分隔，使用</a:t>
+            </a:r>
+            <a:r>
+              <a:rPr lang="zh-CN" altLang="en-US" sz="2400" b="1" dirty="0" smtClean="0">
                 <a:solidFill>
                   <a:schemeClr val="tx1">
                     <a:lumMod val="75000"/>
@@ -8841,7 +10411,7 @@
               <a:t>多个参数，</a:t>
             </a:r>
             <a:r>
-              <a:rPr lang="zh-CN" altLang="en-US" sz="2800" dirty="0">
+              <a:rPr lang="zh-CN" altLang="en-US" sz="2400" dirty="0">
                 <a:solidFill>
                   <a:schemeClr val="tx1">
                     <a:lumMod val="75000"/>
@@ -8854,46 +10424,98 @@
               <a:t>还</a:t>
             </a:r>
             <a:r>
-              <a:rPr lang="zh-CN" altLang="en-US" sz="2800" dirty="0" smtClean="0">
-                <a:solidFill>
-                  <a:schemeClr val="tx1">
-                    <a:lumMod val="75000"/>
-                    <a:lumOff val="25000"/>
-                  </a:schemeClr>
-                </a:solidFill>
-                <a:latin typeface="微软雅黑" pitchFamily="34" charset="-122"/>
-                <a:ea typeface="微软雅黑" pitchFamily="34" charset="-122"/>
-              </a:rPr>
-              <a:t>可以</a:t>
-            </a:r>
-            <a:r>
-              <a:rPr lang="zh-CN" altLang="en-US" sz="2800" b="1" dirty="0" smtClean="0">
-                <a:solidFill>
-                  <a:schemeClr val="tx1">
-                    <a:lumMod val="75000"/>
-                    <a:lumOff val="25000"/>
-                  </a:schemeClr>
-                </a:solidFill>
-                <a:latin typeface="微软雅黑" pitchFamily="34" charset="-122"/>
-                <a:ea typeface="微软雅黑" pitchFamily="34" charset="-122"/>
-              </a:rPr>
-              <a:t>混合重载（混合名称相同，但参数数量不同），</a:t>
-            </a:r>
-            <a:r>
-              <a:rPr lang="zh-CN" altLang="en-US" sz="2800" dirty="0" smtClean="0">
-                <a:solidFill>
-                  <a:schemeClr val="tx1">
-                    <a:lumMod val="75000"/>
-                    <a:lumOff val="25000"/>
-                  </a:schemeClr>
-                </a:solidFill>
-                <a:latin typeface="微软雅黑" pitchFamily="34" charset="-122"/>
-                <a:ea typeface="微软雅黑" pitchFamily="34" charset="-122"/>
-              </a:rPr>
-              <a:t>有多个默认参数的时候，可以通过</a:t>
-            </a:r>
-            <a:r>
-              <a:rPr lang="zh-CN" altLang="en-US" sz="2800" b="1" dirty="0" smtClean="0">
+              <a:rPr lang="zh-CN" altLang="en-US" sz="2400" dirty="0" smtClean="0">
+                <a:solidFill>
+                  <a:schemeClr val="tx1">
+                    <a:lumMod val="75000"/>
+                    <a:lumOff val="25000"/>
+                  </a:schemeClr>
+                </a:solidFill>
+                <a:latin typeface="微软雅黑" pitchFamily="34" charset="-122"/>
+                <a:ea typeface="微软雅黑" pitchFamily="34" charset="-122"/>
+              </a:rPr>
+              <a:t>可</a:t>
+            </a:r>
+            <a:r>
+              <a:rPr lang="zh-CN" altLang="en-US" sz="2400" b="1" dirty="0" smtClean="0">
+                <a:solidFill>
+                  <a:schemeClr val="tx1">
+                    <a:lumMod val="75000"/>
+                    <a:lumOff val="25000"/>
+                  </a:schemeClr>
+                </a:solidFill>
+                <a:latin typeface="微软雅黑" pitchFamily="34" charset="-122"/>
+                <a:ea typeface="微软雅黑" pitchFamily="34" charset="-122"/>
+              </a:rPr>
+              <a:t>混合</a:t>
+            </a:r>
+            <a:r>
+              <a:rPr lang="zh-CN" altLang="en-US" sz="2400" b="1" dirty="0" smtClean="0">
+                <a:solidFill>
+                  <a:schemeClr val="tx1">
+                    <a:lumMod val="75000"/>
+                    <a:lumOff val="25000"/>
+                  </a:schemeClr>
+                </a:solidFill>
+                <a:latin typeface="微软雅黑" pitchFamily="34" charset="-122"/>
+                <a:ea typeface="微软雅黑" pitchFamily="34" charset="-122"/>
+              </a:rPr>
+              <a:t>重载（混合名称相同，但参数</a:t>
+            </a:r>
+            <a:r>
+              <a:rPr lang="zh-CN" altLang="en-US" sz="2400" b="1" dirty="0" smtClean="0">
+                <a:solidFill>
+                  <a:schemeClr val="tx1">
+                    <a:lumMod val="75000"/>
+                    <a:lumOff val="25000"/>
+                  </a:schemeClr>
+                </a:solidFill>
+                <a:latin typeface="微软雅黑" pitchFamily="34" charset="-122"/>
+                <a:ea typeface="微软雅黑" pitchFamily="34" charset="-122"/>
+              </a:rPr>
+              <a:t>数量不同</a:t>
+            </a:r>
+            <a:r>
+              <a:rPr lang="zh-CN" altLang="en-US" sz="2400" b="1" dirty="0" smtClean="0">
+                <a:solidFill>
+                  <a:schemeClr val="tx1">
+                    <a:lumMod val="75000"/>
+                    <a:lumOff val="25000"/>
+                  </a:schemeClr>
+                </a:solidFill>
+                <a:latin typeface="微软雅黑" pitchFamily="34" charset="-122"/>
+                <a:ea typeface="微软雅黑" pitchFamily="34" charset="-122"/>
+              </a:rPr>
+              <a:t>），</a:t>
+            </a:r>
+            <a:r>
+              <a:rPr lang="zh-CN" altLang="en-US" sz="2400" dirty="0" smtClean="0">
+                <a:solidFill>
+                  <a:schemeClr val="tx1">
+                    <a:lumMod val="75000"/>
+                    <a:lumOff val="25000"/>
+                  </a:schemeClr>
+                </a:solidFill>
+                <a:latin typeface="微软雅黑" pitchFamily="34" charset="-122"/>
+                <a:ea typeface="微软雅黑" pitchFamily="34" charset="-122"/>
+              </a:rPr>
+              <a:t>有多个默认参数的时候，</a:t>
+            </a:r>
+            <a:r>
+              <a:rPr lang="zh-CN" altLang="en-US" sz="2400" dirty="0">
+                <a:solidFill>
+                  <a:schemeClr val="tx1">
+                    <a:lumMod val="75000"/>
+                    <a:lumOff val="25000"/>
+                  </a:schemeClr>
+                </a:solidFill>
+                <a:latin typeface="微软雅黑" pitchFamily="34" charset="-122"/>
+                <a:ea typeface="微软雅黑" pitchFamily="34" charset="-122"/>
+              </a:rPr>
+              <a:t>可以传递</a:t>
+            </a:r>
+            <a:r>
+              <a:rPr lang="zh-CN" altLang="en-US" sz="2400" b="1" dirty="0" smtClean="0">
                 <a:solidFill>
                   <a:schemeClr val="tx1">
                     <a:lumMod val="75000"/>
@@ -8906,20 +10528,20 @@
               <a:t>命名</a:t>
             </a:r>
             <a:r>
-              <a:rPr lang="zh-CN" altLang="en-US" sz="2800" dirty="0" smtClean="0">
-                <a:solidFill>
-                  <a:schemeClr val="tx1">
-                    <a:lumMod val="75000"/>
-                    <a:lumOff val="25000"/>
-                  </a:schemeClr>
-                </a:solidFill>
-                <a:latin typeface="微软雅黑" pitchFamily="34" charset="-122"/>
-                <a:ea typeface="微软雅黑" pitchFamily="34" charset="-122"/>
-              </a:rPr>
-              <a:t>方式传递特定参数</a:t>
-            </a:r>
-            <a:r>
-              <a:rPr lang="en-US" altLang="zh-CN" sz="2800" dirty="0" smtClean="0">
+              <a:rPr lang="zh-CN" altLang="en-US" sz="2400" dirty="0" smtClean="0">
+                <a:solidFill>
+                  <a:schemeClr val="tx1">
+                    <a:lumMod val="75000"/>
+                    <a:lumOff val="25000"/>
+                  </a:schemeClr>
+                </a:solidFill>
+                <a:latin typeface="微软雅黑" pitchFamily="34" charset="-122"/>
+                <a:ea typeface="微软雅黑" pitchFamily="34" charset="-122"/>
+              </a:rPr>
+              <a:t>参数</a:t>
+            </a:r>
+            <a:r>
+              <a:rPr lang="en-US" altLang="zh-CN" sz="2400" dirty="0" smtClean="0">
                 <a:solidFill>
                   <a:schemeClr val="tx1">
                     <a:lumMod val="75000"/>
@@ -8932,7 +10554,7 @@
               <a:t>.</a:t>
             </a:r>
             <a:r>
-              <a:rPr lang="zh-CN" altLang="en-US" sz="2800" dirty="0" smtClean="0">
+              <a:rPr lang="zh-CN" altLang="en-US" sz="2400" dirty="0" smtClean="0">
                 <a:solidFill>
                   <a:schemeClr val="tx1">
                     <a:lumMod val="75000"/>
@@ -8945,7 +10567,7 @@
               <a:t>对于复合属性，用</a:t>
             </a:r>
             <a:r>
-              <a:rPr lang="en-US" altLang="zh-CN" sz="2800" b="1" dirty="0" smtClean="0">
+              <a:rPr lang="en-US" altLang="zh-CN" sz="2400" b="1" dirty="0" smtClean="0">
                 <a:solidFill>
                   <a:schemeClr val="tx1">
                     <a:lumMod val="75000"/>
@@ -8958,19 +10580,84 @@
               <a:t>@arguments</a:t>
             </a:r>
             <a:r>
-              <a:rPr lang="zh-CN" altLang="en-US" sz="2800" dirty="0" smtClean="0">
-                <a:solidFill>
-                  <a:schemeClr val="tx1">
-                    <a:lumMod val="75000"/>
-                    <a:lumOff val="25000"/>
-                  </a:schemeClr>
-                </a:solidFill>
-                <a:latin typeface="微软雅黑" pitchFamily="34" charset="-122"/>
-                <a:ea typeface="微软雅黑" pitchFamily="34" charset="-122"/>
-              </a:rPr>
-              <a:t>，表示所有属性，并自动用空格分隔</a:t>
-            </a:r>
-            <a:endParaRPr lang="en-US" altLang="zh-CN" sz="2800" dirty="0" smtClean="0">
+              <a:rPr lang="zh-CN" altLang="en-US" sz="2400" dirty="0" smtClean="0">
+                <a:solidFill>
+                  <a:schemeClr val="tx1">
+                    <a:lumMod val="75000"/>
+                    <a:lumOff val="25000"/>
+                  </a:schemeClr>
+                </a:solidFill>
+                <a:latin typeface="微软雅黑" pitchFamily="34" charset="-122"/>
+                <a:ea typeface="微软雅黑" pitchFamily="34" charset="-122"/>
+              </a:rPr>
+              <a:t>，可代表所有</a:t>
+            </a:r>
+            <a:r>
+              <a:rPr lang="zh-CN" altLang="en-US" sz="2400" dirty="0" smtClean="0">
+                <a:solidFill>
+                  <a:schemeClr val="tx1">
+                    <a:lumMod val="75000"/>
+                    <a:lumOff val="25000"/>
+                  </a:schemeClr>
+                </a:solidFill>
+                <a:latin typeface="微软雅黑" pitchFamily="34" charset="-122"/>
+                <a:ea typeface="微软雅黑" pitchFamily="34" charset="-122"/>
+              </a:rPr>
+              <a:t>属性，并自动用空格</a:t>
+            </a:r>
+            <a:r>
+              <a:rPr lang="zh-CN" altLang="en-US" sz="2400" dirty="0" smtClean="0">
+                <a:solidFill>
+                  <a:schemeClr val="tx1">
+                    <a:lumMod val="75000"/>
+                    <a:lumOff val="25000"/>
+                  </a:schemeClr>
+                </a:solidFill>
+                <a:latin typeface="微软雅黑" pitchFamily="34" charset="-122"/>
+                <a:ea typeface="微软雅黑" pitchFamily="34" charset="-122"/>
+              </a:rPr>
+              <a:t>分隔</a:t>
+            </a:r>
+            <a:r>
+              <a:rPr lang="en-US" altLang="zh-CN" sz="2400" dirty="0" smtClean="0">
+                <a:solidFill>
+                  <a:schemeClr val="tx1">
+                    <a:lumMod val="75000"/>
+                    <a:lumOff val="25000"/>
+                  </a:schemeClr>
+                </a:solidFill>
+                <a:latin typeface="微软雅黑" pitchFamily="34" charset="-122"/>
+                <a:ea typeface="微软雅黑" pitchFamily="34" charset="-122"/>
+              </a:rPr>
+              <a:t>,</a:t>
+            </a:r>
+            <a:r>
+              <a:rPr lang="en-US" altLang="zh-CN" sz="2400" b="1" dirty="0" smtClean="0">
+                <a:solidFill>
+                  <a:schemeClr val="tx1">
+                    <a:lumMod val="75000"/>
+                    <a:lumOff val="25000"/>
+                  </a:schemeClr>
+                </a:solidFill>
+                <a:latin typeface="微软雅黑" pitchFamily="34" charset="-122"/>
+                <a:ea typeface="微软雅黑" pitchFamily="34" charset="-122"/>
+              </a:rPr>
+              <a:t>@rest</a:t>
+            </a:r>
+            <a:r>
+              <a:rPr lang="zh-CN" altLang="en-US" sz="2400" dirty="0" smtClean="0">
+                <a:solidFill>
+                  <a:schemeClr val="tx1">
+                    <a:lumMod val="75000"/>
+                    <a:lumOff val="25000"/>
+                  </a:schemeClr>
+                </a:solidFill>
+                <a:latin typeface="微软雅黑" pitchFamily="34" charset="-122"/>
+                <a:ea typeface="微软雅黑" pitchFamily="34" charset="-122"/>
+              </a:rPr>
+              <a:t>代表命名属性后的所有属性</a:t>
+            </a:r>
+            <a:endParaRPr lang="en-US" altLang="zh-CN" sz="2400" dirty="0" smtClean="0">
               <a:solidFill>
                 <a:schemeClr val="tx1">
                   <a:lumMod val="75000"/>
@@ -9543,7 +11230,7 @@
   <a:extraClrSchemeLst/>
   <a:extLst>
     <a:ext uri="{05A4C25C-085E-4340-85A3-A5531E510DB2}">
-      <thm15:themeFamily xmlns:thm15="http://schemas.microsoft.com/office/thememl/2012/main" xmlns="" name="Office Theme" id="{62F939B6-93AF-4DB8-9C6B-D6C7DFDC589F}" vid="{4A3C46E8-61CC-4603-A589-7422A47A8E4A}"/>
+      <thm15:themeFamily xmlns="" xmlns:thm15="http://schemas.microsoft.com/office/thememl/2012/main" name="Office Theme" id="{62F939B6-93AF-4DB8-9C6B-D6C7DFDC589F}" vid="{4A3C46E8-61CC-4603-A589-7422A47A8E4A}"/>
     </a:ext>
   </a:extLst>
 </a:theme>
